--- a/Taller Introducción a IoT.pptx
+++ b/Taller Introducción a IoT.pptx
@@ -6,7 +6,32 @@
   </p:sldMasterIdLst>
   <p:sldIdLst>
     <p:sldId id="256" r:id="rId2"/>
-    <p:sldId id="257" r:id="rId3"/>
+    <p:sldId id="258" r:id="rId3"/>
+    <p:sldId id="259" r:id="rId4"/>
+    <p:sldId id="257" r:id="rId5"/>
+    <p:sldId id="260" r:id="rId6"/>
+    <p:sldId id="261" r:id="rId7"/>
+    <p:sldId id="262" r:id="rId8"/>
+    <p:sldId id="265" r:id="rId9"/>
+    <p:sldId id="263" r:id="rId10"/>
+    <p:sldId id="264" r:id="rId11"/>
+    <p:sldId id="266" r:id="rId12"/>
+    <p:sldId id="267" r:id="rId13"/>
+    <p:sldId id="268" r:id="rId14"/>
+    <p:sldId id="276" r:id="rId15"/>
+    <p:sldId id="277" r:id="rId16"/>
+    <p:sldId id="269" r:id="rId17"/>
+    <p:sldId id="270" r:id="rId18"/>
+    <p:sldId id="271" r:id="rId19"/>
+    <p:sldId id="274" r:id="rId20"/>
+    <p:sldId id="272" r:id="rId21"/>
+    <p:sldId id="273" r:id="rId22"/>
+    <p:sldId id="278" r:id="rId23"/>
+    <p:sldId id="279" r:id="rId24"/>
+    <p:sldId id="280" r:id="rId25"/>
+    <p:sldId id="282" r:id="rId26"/>
+    <p:sldId id="281" r:id="rId27"/>
+    <p:sldId id="284" r:id="rId28"/>
   </p:sldIdLst>
   <p:sldSz cx="12192000" cy="6858000"/>
   <p:notesSz cx="6858000" cy="9144000"/>
@@ -105,6 +130,11 @@
       </a:defRPr>
     </a:lvl9pPr>
   </p:defaultTextStyle>
+  <p:extLst>
+    <p:ext uri="{EFAFB233-063F-42B5-8137-9DF3F51BA10A}">
+      <p15:sldGuideLst xmlns:p15="http://schemas.microsoft.com/office/powerpoint/2012/main"/>
+    </p:ext>
+  </p:extLst>
 </p:presentation>
 </file>
 
@@ -814,7 +844,7 @@
           <a:lstStyle/>
           <a:p>
             <a:r>
-              <a:rPr lang="es-ES"/>
+              <a:rPr lang="es-ES" dirty="0"/>
               <a:t>Haga clic para modificar el estilo de título del patrón</a:t>
             </a:r>
             <a:endParaRPr lang="en-US" dirty="0"/>
@@ -985,6 +1015,71 @@
           <a:ln>
             <a:noFill/>
           </a:ln>
+        </p:spPr>
+      </p:pic>
+      <p:pic>
+        <p:nvPicPr>
+          <p:cNvPr id="8" name="Imagen 7"/>
+          <p:cNvPicPr>
+            <a:picLocks noChangeAspect="1"/>
+          </p:cNvPicPr>
+          <p:nvPr userDrawn="1"/>
+        </p:nvPicPr>
+        <p:blipFill>
+          <a:blip r:embed="rId3"/>
+          <a:stretch>
+            <a:fillRect/>
+          </a:stretch>
+        </p:blipFill>
+        <p:spPr>
+          <a:xfrm>
+            <a:off x="13352" y="5259860"/>
+            <a:ext cx="1598140" cy="1598140"/>
+          </a:xfrm>
+          <a:prstGeom prst="rect">
+            <a:avLst/>
+          </a:prstGeom>
+        </p:spPr>
+      </p:pic>
+      <p:pic>
+        <p:nvPicPr>
+          <p:cNvPr id="10" name="Picture 2" descr="http://www.ctranspa.webs.upv.es/wp-content/uploads/2017/02/logo-catedra2.png"/>
+          <p:cNvPicPr>
+            <a:picLocks noChangeAspect="1" noChangeArrowheads="1"/>
+          </p:cNvPicPr>
+          <p:nvPr userDrawn="1"/>
+        </p:nvPicPr>
+        <p:blipFill>
+          <a:blip r:embed="rId4">
+            <a:extLst>
+              <a:ext uri="{28A0092B-C50C-407E-A947-70E740481C1C}">
+                <a14:useLocalDpi xmlns:a14="http://schemas.microsoft.com/office/drawing/2010/main" val="0"/>
+              </a:ext>
+            </a:extLst>
+          </a:blip>
+          <a:srcRect/>
+          <a:stretch>
+            <a:fillRect/>
+          </a:stretch>
+        </p:blipFill>
+        <p:spPr bwMode="auto">
+          <a:xfrm>
+            <a:off x="8835081" y="5810903"/>
+            <a:ext cx="2691262" cy="702538"/>
+          </a:xfrm>
+          <a:prstGeom prst="rect">
+            <a:avLst/>
+          </a:prstGeom>
+          <a:noFill/>
+          <a:extLst>
+            <a:ext uri="{909E8E84-426E-40DD-AFC4-6F175D3DCCD1}">
+              <a14:hiddenFill xmlns:a14="http://schemas.microsoft.com/office/drawing/2010/main">
+                <a:solidFill>
+                  <a:srgbClr val="FFFFFF"/>
+                </a:solidFill>
+              </a14:hiddenFill>
+            </a:ext>
+          </a:extLst>
         </p:spPr>
       </p:pic>
     </p:spTree>
@@ -3683,6 +3778,36 @@
       </p:grpSpPr>
       <p:pic>
         <p:nvPicPr>
+          <p:cNvPr id="6" name="Imagen 5"/>
+          <p:cNvPicPr>
+            <a:picLocks noChangeAspect="1"/>
+          </p:cNvPicPr>
+          <p:nvPr/>
+        </p:nvPicPr>
+        <p:blipFill>
+          <a:blip r:embed="rId2"/>
+          <a:stretch>
+            <a:fillRect/>
+          </a:stretch>
+        </p:blipFill>
+        <p:spPr>
+          <a:xfrm>
+            <a:off x="8568312" y="4223113"/>
+            <a:ext cx="3747256" cy="2810442"/>
+          </a:xfrm>
+          <a:prstGeom prst="rect">
+            <a:avLst/>
+          </a:prstGeom>
+          <a:ln>
+            <a:noFill/>
+          </a:ln>
+          <a:effectLst>
+            <a:softEdge rad="112500"/>
+          </a:effectLst>
+        </p:spPr>
+      </p:pic>
+      <p:pic>
+        <p:nvPicPr>
           <p:cNvPr id="5" name="Imagen 4"/>
           <p:cNvPicPr>
             <a:picLocks noChangeAspect="1"/>
@@ -3690,7 +3815,7 @@
           <p:nvPr/>
         </p:nvPicPr>
         <p:blipFill>
-          <a:blip r:embed="rId2"/>
+          <a:blip r:embed="rId3"/>
           <a:stretch>
             <a:fillRect/>
           </a:stretch>
@@ -3753,12 +3878,31 @@
             <p:ph type="subTitle" idx="1"/>
           </p:nvPr>
         </p:nvSpPr>
-        <p:spPr/>
+        <p:spPr>
+          <a:xfrm>
+            <a:off x="3410464" y="4247296"/>
+            <a:ext cx="3249828" cy="1071095"/>
+          </a:xfrm>
+        </p:spPr>
         <p:txBody>
           <a:bodyPr/>
           <a:lstStyle/>
           <a:p>
-            <a:endParaRPr lang="en-GB"/>
+            <a:r>
+              <a:rPr lang="es-ES" b="1" dirty="0"/>
+              <a:t>Jaime Laborda Macario</a:t>
+            </a:r>
+          </a:p>
+          <a:p>
+            <a:r>
+              <a:rPr lang="es-ES" dirty="0"/>
+              <a:t>Miembro de </a:t>
+            </a:r>
+            <a:r>
+              <a:rPr lang="es-ES" dirty="0" err="1"/>
+              <a:t>MakersUPV</a:t>
+            </a:r>
+            <a:endParaRPr lang="en-GB" dirty="0"/>
           </a:p>
         </p:txBody>
       </p:sp>
@@ -3771,7 +3915,7 @@
           <p:nvPr/>
         </p:nvPicPr>
         <p:blipFill>
-          <a:blip r:embed="rId3">
+          <a:blip r:embed="rId4">
             <a:extLst>
               <a:ext uri="{28A0092B-C50C-407E-A947-70E740481C1C}">
                 <a14:useLocalDpi xmlns:a14="http://schemas.microsoft.com/office/drawing/2010/main" val="0"/>
@@ -3803,10 +3947,1935 @@
           </a:extLst>
         </p:spPr>
       </p:pic>
+      <p:sp>
+        <p:nvSpPr>
+          <p:cNvPr id="4" name="CuadroTexto 3"/>
+          <p:cNvSpPr txBox="1"/>
+          <p:nvPr/>
+        </p:nvSpPr>
+        <p:spPr>
+          <a:xfrm>
+            <a:off x="185351" y="5476974"/>
+            <a:ext cx="3484606" cy="523220"/>
+          </a:xfrm>
+          <a:prstGeom prst="rect">
+            <a:avLst/>
+          </a:prstGeom>
+          <a:noFill/>
+        </p:spPr>
+        <p:txBody>
+          <a:bodyPr wrap="square" rtlCol="0">
+            <a:spAutoFit/>
+          </a:bodyPr>
+          <a:lstStyle/>
+          <a:p>
+            <a:r>
+              <a:rPr lang="en-GB" sz="2800" dirty="0" err="1">
+                <a:hlinkClick r:id="rId5"/>
+              </a:rPr>
+              <a:t>es.libre.university</a:t>
+            </a:r>
+            <a:endParaRPr lang="en-GB" sz="2800" dirty="0"/>
+          </a:p>
+        </p:txBody>
+      </p:sp>
     </p:spTree>
     <p:extLst>
       <p:ext uri="{BB962C8B-B14F-4D97-AF65-F5344CB8AC3E}">
         <p14:creationId xmlns:p14="http://schemas.microsoft.com/office/powerpoint/2010/main" val="670192334"/>
+      </p:ext>
+    </p:extLst>
+  </p:cSld>
+  <p:clrMapOvr>
+    <a:masterClrMapping/>
+  </p:clrMapOvr>
+</p:sld>
+</file>
+
+<file path=ppt/slides/slide10.xml><?xml version="1.0" encoding="utf-8"?>
+<p:sld xmlns:a="http://schemas.openxmlformats.org/drawingml/2006/main" xmlns:r="http://schemas.openxmlformats.org/officeDocument/2006/relationships" xmlns:p="http://schemas.openxmlformats.org/presentationml/2006/main">
+  <p:cSld>
+    <p:spTree>
+      <p:nvGrpSpPr>
+        <p:cNvPr id="1" name=""/>
+        <p:cNvGrpSpPr/>
+        <p:nvPr/>
+      </p:nvGrpSpPr>
+      <p:grpSpPr>
+        <a:xfrm>
+          <a:off x="0" y="0"/>
+          <a:ext cx="0" cy="0"/>
+          <a:chOff x="0" y="0"/>
+          <a:chExt cx="0" cy="0"/>
+        </a:xfrm>
+      </p:grpSpPr>
+      <p:sp>
+        <p:nvSpPr>
+          <p:cNvPr id="2" name="Título 1"/>
+          <p:cNvSpPr>
+            <a:spLocks noGrp="1"/>
+          </p:cNvSpPr>
+          <p:nvPr>
+            <p:ph type="title"/>
+          </p:nvPr>
+        </p:nvSpPr>
+        <p:spPr/>
+        <p:txBody>
+          <a:bodyPr/>
+          <a:lstStyle/>
+          <a:p>
+            <a:r>
+              <a:rPr lang="es-ES" dirty="0"/>
+              <a:t>Configuración de Arduino IDE</a:t>
+            </a:r>
+            <a:endParaRPr lang="en-GB" dirty="0"/>
+          </a:p>
+        </p:txBody>
+      </p:sp>
+      <p:sp>
+        <p:nvSpPr>
+          <p:cNvPr id="3" name="Marcador de contenido 2"/>
+          <p:cNvSpPr>
+            <a:spLocks noGrp="1"/>
+          </p:cNvSpPr>
+          <p:nvPr>
+            <p:ph idx="1"/>
+          </p:nvPr>
+        </p:nvSpPr>
+        <p:spPr/>
+        <p:txBody>
+          <a:bodyPr/>
+          <a:lstStyle/>
+          <a:p>
+            <a:r>
+              <a:rPr lang="es-ES" dirty="0"/>
+              <a:t>Las instrucciones detalladas se encuentran en </a:t>
+            </a:r>
+            <a:r>
+              <a:rPr lang="en-GB" dirty="0" err="1">
+                <a:hlinkClick r:id="rId2"/>
+              </a:rPr>
+              <a:t>es.libre.university</a:t>
+            </a:r>
+            <a:endParaRPr lang="es-ES" dirty="0"/>
+          </a:p>
+          <a:p>
+            <a:r>
+              <a:rPr lang="es-ES" dirty="0"/>
+              <a:t>Añadir nuevo repositorio: </a:t>
+            </a:r>
+            <a:r>
+              <a:rPr lang="es-ES" b="1" dirty="0"/>
+              <a:t>Archivo </a:t>
+            </a:r>
+            <a:r>
+              <a:rPr lang="es-ES" b="1" dirty="0">
+                <a:sym typeface="Wingdings" panose="05000000000000000000" pitchFamily="2" charset="2"/>
+              </a:rPr>
+              <a:t> Preferencias</a:t>
+            </a:r>
+          </a:p>
+          <a:p>
+            <a:r>
+              <a:rPr lang="es-ES" dirty="0">
+                <a:sym typeface="Wingdings" panose="05000000000000000000" pitchFamily="2" charset="2"/>
+              </a:rPr>
+              <a:t>En gestor de URL añadimos: </a:t>
+            </a:r>
+            <a:r>
+              <a:rPr lang="en-GB" dirty="0">
+                <a:hlinkClick r:id="rId3"/>
+              </a:rPr>
+              <a:t>http://arduino.esp8266.com/stable/package_esp8266com_index.json</a:t>
+            </a:r>
+            <a:endParaRPr lang="en-GB" dirty="0"/>
+          </a:p>
+          <a:p>
+            <a:r>
+              <a:rPr lang="es-ES" dirty="0"/>
+              <a:t>A</a:t>
+            </a:r>
+            <a:r>
+              <a:rPr lang="en-GB" dirty="0" err="1"/>
+              <a:t>ñadir</a:t>
+            </a:r>
+            <a:r>
+              <a:rPr lang="en-GB" dirty="0"/>
+              <a:t> la </a:t>
+            </a:r>
+            <a:r>
+              <a:rPr lang="en-GB" dirty="0" err="1"/>
+              <a:t>placa</a:t>
+            </a:r>
+            <a:r>
+              <a:rPr lang="en-GB" dirty="0"/>
+              <a:t>: </a:t>
+            </a:r>
+            <a:r>
+              <a:rPr lang="en-GB" b="1" dirty="0" err="1"/>
+              <a:t>Herramientas</a:t>
+            </a:r>
+            <a:r>
+              <a:rPr lang="en-GB" b="1" dirty="0"/>
+              <a:t> </a:t>
+            </a:r>
+            <a:r>
+              <a:rPr lang="en-GB" b="1" dirty="0">
+                <a:sym typeface="Wingdings" panose="05000000000000000000" pitchFamily="2" charset="2"/>
+              </a:rPr>
+              <a:t> </a:t>
+            </a:r>
+            <a:r>
+              <a:rPr lang="en-GB" b="1" dirty="0" err="1">
+                <a:sym typeface="Wingdings" panose="05000000000000000000" pitchFamily="2" charset="2"/>
+              </a:rPr>
+              <a:t>Placa</a:t>
+            </a:r>
+            <a:r>
+              <a:rPr lang="en-GB" b="1" dirty="0">
+                <a:sym typeface="Wingdings" panose="05000000000000000000" pitchFamily="2" charset="2"/>
+              </a:rPr>
+              <a:t>  Gestor de </a:t>
+            </a:r>
+            <a:r>
+              <a:rPr lang="en-GB" b="1" dirty="0" err="1">
+                <a:sym typeface="Wingdings" panose="05000000000000000000" pitchFamily="2" charset="2"/>
+              </a:rPr>
+              <a:t>placas</a:t>
+            </a:r>
+            <a:endParaRPr lang="en-GB" b="1" dirty="0">
+              <a:sym typeface="Wingdings" panose="05000000000000000000" pitchFamily="2" charset="2"/>
+            </a:endParaRPr>
+          </a:p>
+          <a:p>
+            <a:r>
+              <a:rPr lang="es-ES" dirty="0">
+                <a:sym typeface="Wingdings" panose="05000000000000000000" pitchFamily="2" charset="2"/>
+              </a:rPr>
+              <a:t>Buscamos: </a:t>
+            </a:r>
+            <a:r>
+              <a:rPr lang="es-ES" b="1" dirty="0">
+                <a:sym typeface="Wingdings" panose="05000000000000000000" pitchFamily="2" charset="2"/>
+              </a:rPr>
+              <a:t>“esp8266” </a:t>
+            </a:r>
+            <a:r>
+              <a:rPr lang="es-ES" dirty="0">
+                <a:sym typeface="Wingdings" panose="05000000000000000000" pitchFamily="2" charset="2"/>
+              </a:rPr>
+              <a:t>e instalamos.</a:t>
+            </a:r>
+            <a:endParaRPr lang="en-GB" dirty="0">
+              <a:sym typeface="Wingdings" panose="05000000000000000000" pitchFamily="2" charset="2"/>
+            </a:endParaRPr>
+          </a:p>
+        </p:txBody>
+      </p:sp>
+    </p:spTree>
+    <p:extLst>
+      <p:ext uri="{BB962C8B-B14F-4D97-AF65-F5344CB8AC3E}">
+        <p14:creationId xmlns:p14="http://schemas.microsoft.com/office/powerpoint/2010/main" val="3087944548"/>
+      </p:ext>
+    </p:extLst>
+  </p:cSld>
+  <p:clrMapOvr>
+    <a:masterClrMapping/>
+  </p:clrMapOvr>
+</p:sld>
+</file>
+
+<file path=ppt/slides/slide11.xml><?xml version="1.0" encoding="utf-8"?>
+<p:sld xmlns:a="http://schemas.openxmlformats.org/drawingml/2006/main" xmlns:r="http://schemas.openxmlformats.org/officeDocument/2006/relationships" xmlns:p="http://schemas.openxmlformats.org/presentationml/2006/main">
+  <p:cSld>
+    <p:spTree>
+      <p:nvGrpSpPr>
+        <p:cNvPr id="1" name=""/>
+        <p:cNvGrpSpPr/>
+        <p:nvPr/>
+      </p:nvGrpSpPr>
+      <p:grpSpPr>
+        <a:xfrm>
+          <a:off x="0" y="0"/>
+          <a:ext cx="0" cy="0"/>
+          <a:chOff x="0" y="0"/>
+          <a:chExt cx="0" cy="0"/>
+        </a:xfrm>
+      </p:grpSpPr>
+      <p:sp>
+        <p:nvSpPr>
+          <p:cNvPr id="2" name="Título 1"/>
+          <p:cNvSpPr>
+            <a:spLocks noGrp="1"/>
+          </p:cNvSpPr>
+          <p:nvPr>
+            <p:ph type="title"/>
+          </p:nvPr>
+        </p:nvSpPr>
+        <p:spPr/>
+        <p:txBody>
+          <a:bodyPr/>
+          <a:lstStyle/>
+          <a:p>
+            <a:r>
+              <a:rPr lang="es-ES" dirty="0"/>
+              <a:t>¡Hola mundo!</a:t>
+            </a:r>
+            <a:endParaRPr lang="en-GB" dirty="0"/>
+          </a:p>
+        </p:txBody>
+      </p:sp>
+      <p:sp>
+        <p:nvSpPr>
+          <p:cNvPr id="3" name="Marcador de contenido 2"/>
+          <p:cNvSpPr>
+            <a:spLocks noGrp="1"/>
+          </p:cNvSpPr>
+          <p:nvPr>
+            <p:ph idx="1"/>
+          </p:nvPr>
+        </p:nvSpPr>
+        <p:spPr/>
+        <p:txBody>
+          <a:bodyPr/>
+          <a:lstStyle/>
+          <a:p>
+            <a:r>
+              <a:rPr lang="es-ES" dirty="0"/>
+              <a:t>Comprobaremos que hemos instalado la placa correctamente</a:t>
+            </a:r>
+          </a:p>
+          <a:p>
+            <a:r>
+              <a:rPr lang="es-ES" dirty="0"/>
+              <a:t>Comprobaremos que podemos subir sketches desde Arduino</a:t>
+            </a:r>
+          </a:p>
+          <a:p>
+            <a:r>
+              <a:rPr lang="es-ES" dirty="0"/>
+              <a:t>Abrimos el sketch de ejemplo </a:t>
+            </a:r>
+            <a:r>
+              <a:rPr lang="es-ES" dirty="0" err="1"/>
+              <a:t>Blink</a:t>
+            </a:r>
+            <a:r>
+              <a:rPr lang="es-ES" dirty="0"/>
+              <a:t>: </a:t>
+            </a:r>
+            <a:r>
+              <a:rPr lang="en-GB" b="1" dirty="0" err="1"/>
+              <a:t>Archivos</a:t>
+            </a:r>
+            <a:r>
+              <a:rPr lang="en-GB" b="1" dirty="0"/>
+              <a:t> -&gt; </a:t>
+            </a:r>
+            <a:r>
+              <a:rPr lang="en-GB" b="1" dirty="0" err="1"/>
+              <a:t>Ejemplos</a:t>
+            </a:r>
+            <a:r>
+              <a:rPr lang="en-GB" b="1" dirty="0"/>
+              <a:t> -&gt; ESP8266 -&gt; Blink</a:t>
+            </a:r>
+            <a:endParaRPr lang="en-GB" dirty="0"/>
+          </a:p>
+          <a:p>
+            <a:r>
+              <a:rPr lang="es-ES" dirty="0"/>
+              <a:t>E</a:t>
+            </a:r>
+            <a:r>
+              <a:rPr lang="en-GB" dirty="0"/>
+              <a:t>n </a:t>
+            </a:r>
+            <a:r>
+              <a:rPr lang="es-ES" b="1" dirty="0"/>
+              <a:t>Herramientas -&gt; Placa</a:t>
+            </a:r>
+            <a:r>
+              <a:rPr lang="es-ES" dirty="0"/>
+              <a:t> seleccionamos </a:t>
+            </a:r>
+            <a:r>
+              <a:rPr lang="es-ES" i="1" dirty="0" err="1"/>
+              <a:t>NodeMCU</a:t>
+            </a:r>
+            <a:r>
+              <a:rPr lang="es-ES" i="1" dirty="0"/>
+              <a:t> 1.0 (ESP-12E Module)</a:t>
+            </a:r>
+          </a:p>
+          <a:p>
+            <a:r>
+              <a:rPr lang="es-ES" i="1" dirty="0"/>
+              <a:t>Asegurarse de tener el puerto COM correcto</a:t>
+            </a:r>
+            <a:endParaRPr lang="en-GB" dirty="0"/>
+          </a:p>
+        </p:txBody>
+      </p:sp>
+    </p:spTree>
+    <p:extLst>
+      <p:ext uri="{BB962C8B-B14F-4D97-AF65-F5344CB8AC3E}">
+        <p14:creationId xmlns:p14="http://schemas.microsoft.com/office/powerpoint/2010/main" val="808003849"/>
+      </p:ext>
+    </p:extLst>
+  </p:cSld>
+  <p:clrMapOvr>
+    <a:masterClrMapping/>
+  </p:clrMapOvr>
+</p:sld>
+</file>
+
+<file path=ppt/slides/slide12.xml><?xml version="1.0" encoding="utf-8"?>
+<p:sld xmlns:a="http://schemas.openxmlformats.org/drawingml/2006/main" xmlns:r="http://schemas.openxmlformats.org/officeDocument/2006/relationships" xmlns:p="http://schemas.openxmlformats.org/presentationml/2006/main">
+  <p:cSld>
+    <p:spTree>
+      <p:nvGrpSpPr>
+        <p:cNvPr id="1" name=""/>
+        <p:cNvGrpSpPr/>
+        <p:nvPr/>
+      </p:nvGrpSpPr>
+      <p:grpSpPr>
+        <a:xfrm>
+          <a:off x="0" y="0"/>
+          <a:ext cx="0" cy="0"/>
+          <a:chOff x="0" y="0"/>
+          <a:chExt cx="0" cy="0"/>
+        </a:xfrm>
+      </p:grpSpPr>
+      <p:sp>
+        <p:nvSpPr>
+          <p:cNvPr id="2" name="Título 1"/>
+          <p:cNvSpPr>
+            <a:spLocks noGrp="1"/>
+          </p:cNvSpPr>
+          <p:nvPr>
+            <p:ph type="title"/>
+          </p:nvPr>
+        </p:nvSpPr>
+        <p:spPr/>
+        <p:txBody>
+          <a:bodyPr/>
+          <a:lstStyle/>
+          <a:p>
+            <a:r>
+              <a:rPr lang="es-ES" dirty="0"/>
+              <a:t>Ejercicio 1	</a:t>
+            </a:r>
+            <a:endParaRPr lang="en-GB" dirty="0"/>
+          </a:p>
+        </p:txBody>
+      </p:sp>
+      <p:sp>
+        <p:nvSpPr>
+          <p:cNvPr id="3" name="Marcador de contenido 2"/>
+          <p:cNvSpPr>
+            <a:spLocks noGrp="1"/>
+          </p:cNvSpPr>
+          <p:nvPr>
+            <p:ph idx="1"/>
+          </p:nvPr>
+        </p:nvSpPr>
+        <p:spPr/>
+        <p:txBody>
+          <a:bodyPr/>
+          <a:lstStyle/>
+          <a:p>
+            <a:r>
+              <a:rPr lang="es-ES" dirty="0"/>
+              <a:t>Cambiar la frecuencia de parpadeo del LED a 2Hz (500ms)</a:t>
+            </a:r>
+          </a:p>
+          <a:p>
+            <a:r>
+              <a:rPr lang="es-ES" dirty="0"/>
+              <a:t>Cambiar </a:t>
+            </a:r>
+            <a:r>
+              <a:rPr lang="es-ES" i="1" dirty="0"/>
+              <a:t>LED_BUILTIN</a:t>
+            </a:r>
+            <a:r>
+              <a:rPr lang="es-ES" dirty="0"/>
+              <a:t> por el pin 13 y conectar un LED al pin D7.</a:t>
+            </a:r>
+          </a:p>
+          <a:p>
+            <a:r>
+              <a:rPr lang="es-ES" dirty="0"/>
+              <a:t>Observar el mapeo de pines del ESP8266</a:t>
+            </a:r>
+            <a:endParaRPr lang="en-GB" dirty="0"/>
+          </a:p>
+        </p:txBody>
+      </p:sp>
+      <p:pic>
+        <p:nvPicPr>
+          <p:cNvPr id="3074" name="Picture 2" descr="https://github.com/jaimelaborda/Planta-Twittera/raw/master/doc/NodeMCU%20v.1.0%20pinout.jpg"/>
+          <p:cNvPicPr>
+            <a:picLocks noChangeAspect="1" noChangeArrowheads="1"/>
+          </p:cNvPicPr>
+          <p:nvPr/>
+        </p:nvPicPr>
+        <p:blipFill>
+          <a:blip r:embed="rId2">
+            <a:extLst>
+              <a:ext uri="{28A0092B-C50C-407E-A947-70E740481C1C}">
+                <a14:useLocalDpi xmlns:a14="http://schemas.microsoft.com/office/drawing/2010/main" val="0"/>
+              </a:ext>
+            </a:extLst>
+          </a:blip>
+          <a:srcRect/>
+          <a:stretch>
+            <a:fillRect/>
+          </a:stretch>
+        </p:blipFill>
+        <p:spPr bwMode="auto">
+          <a:xfrm>
+            <a:off x="1979613" y="0"/>
+            <a:ext cx="8231187" cy="6858000"/>
+          </a:xfrm>
+          <a:prstGeom prst="rect">
+            <a:avLst/>
+          </a:prstGeom>
+          <a:noFill/>
+          <a:extLst>
+            <a:ext uri="{909E8E84-426E-40DD-AFC4-6F175D3DCCD1}">
+              <a14:hiddenFill xmlns:a14="http://schemas.microsoft.com/office/drawing/2010/main">
+                <a:solidFill>
+                  <a:srgbClr val="FFFFFF"/>
+                </a:solidFill>
+              </a14:hiddenFill>
+            </a:ext>
+          </a:extLst>
+        </p:spPr>
+      </p:pic>
+    </p:spTree>
+    <p:extLst>
+      <p:ext uri="{BB962C8B-B14F-4D97-AF65-F5344CB8AC3E}">
+        <p14:creationId xmlns:p14="http://schemas.microsoft.com/office/powerpoint/2010/main" val="484134716"/>
+      </p:ext>
+    </p:extLst>
+  </p:cSld>
+  <p:clrMapOvr>
+    <a:masterClrMapping/>
+  </p:clrMapOvr>
+  <p:timing>
+    <p:tnLst>
+      <p:par>
+        <p:cTn id="1" dur="indefinite" restart="never" nodeType="tmRoot">
+          <p:childTnLst>
+            <p:seq concurrent="1" nextAc="seek">
+              <p:cTn id="2" dur="indefinite" nodeType="mainSeq">
+                <p:childTnLst>
+                  <p:par>
+                    <p:cTn id="3" fill="hold">
+                      <p:stCondLst>
+                        <p:cond delay="indefinite"/>
+                      </p:stCondLst>
+                      <p:childTnLst>
+                        <p:par>
+                          <p:cTn id="4" fill="hold">
+                            <p:stCondLst>
+                              <p:cond delay="0"/>
+                            </p:stCondLst>
+                            <p:childTnLst>
+                              <p:par>
+                                <p:cTn id="5" presetID="53" presetClass="entr" presetSubtype="16" fill="hold" nodeType="clickEffect">
+                                  <p:stCondLst>
+                                    <p:cond delay="0"/>
+                                  </p:stCondLst>
+                                  <p:childTnLst>
+                                    <p:set>
+                                      <p:cBhvr>
+                                        <p:cTn id="6" dur="1" fill="hold">
+                                          <p:stCondLst>
+                                            <p:cond delay="0"/>
+                                          </p:stCondLst>
+                                        </p:cTn>
+                                        <p:tgtEl>
+                                          <p:spTgt spid="3074"/>
+                                        </p:tgtEl>
+                                        <p:attrNameLst>
+                                          <p:attrName>style.visibility</p:attrName>
+                                        </p:attrNameLst>
+                                      </p:cBhvr>
+                                      <p:to>
+                                        <p:strVal val="visible"/>
+                                      </p:to>
+                                    </p:set>
+                                    <p:anim calcmode="lin" valueType="num">
+                                      <p:cBhvr>
+                                        <p:cTn id="7" dur="500" fill="hold"/>
+                                        <p:tgtEl>
+                                          <p:spTgt spid="3074"/>
+                                        </p:tgtEl>
+                                        <p:attrNameLst>
+                                          <p:attrName>ppt_w</p:attrName>
+                                        </p:attrNameLst>
+                                      </p:cBhvr>
+                                      <p:tavLst>
+                                        <p:tav tm="0">
+                                          <p:val>
+                                            <p:fltVal val="0"/>
+                                          </p:val>
+                                        </p:tav>
+                                        <p:tav tm="100000">
+                                          <p:val>
+                                            <p:strVal val="#ppt_w"/>
+                                          </p:val>
+                                        </p:tav>
+                                      </p:tavLst>
+                                    </p:anim>
+                                    <p:anim calcmode="lin" valueType="num">
+                                      <p:cBhvr>
+                                        <p:cTn id="8" dur="500" fill="hold"/>
+                                        <p:tgtEl>
+                                          <p:spTgt spid="3074"/>
+                                        </p:tgtEl>
+                                        <p:attrNameLst>
+                                          <p:attrName>ppt_h</p:attrName>
+                                        </p:attrNameLst>
+                                      </p:cBhvr>
+                                      <p:tavLst>
+                                        <p:tav tm="0">
+                                          <p:val>
+                                            <p:fltVal val="0"/>
+                                          </p:val>
+                                        </p:tav>
+                                        <p:tav tm="100000">
+                                          <p:val>
+                                            <p:strVal val="#ppt_h"/>
+                                          </p:val>
+                                        </p:tav>
+                                      </p:tavLst>
+                                    </p:anim>
+                                    <p:animEffect transition="in" filter="fade">
+                                      <p:cBhvr>
+                                        <p:cTn id="9" dur="500"/>
+                                        <p:tgtEl>
+                                          <p:spTgt spid="3074"/>
+                                        </p:tgtEl>
+                                      </p:cBhvr>
+                                    </p:animEffect>
+                                  </p:childTnLst>
+                                </p:cTn>
+                              </p:par>
+                            </p:childTnLst>
+                          </p:cTn>
+                        </p:par>
+                      </p:childTnLst>
+                    </p:cTn>
+                  </p:par>
+                </p:childTnLst>
+              </p:cTn>
+              <p:prevCondLst>
+                <p:cond evt="onPrev" delay="0">
+                  <p:tgtEl>
+                    <p:sldTgt/>
+                  </p:tgtEl>
+                </p:cond>
+              </p:prevCondLst>
+              <p:nextCondLst>
+                <p:cond evt="onNext" delay="0">
+                  <p:tgtEl>
+                    <p:sldTgt/>
+                  </p:tgtEl>
+                </p:cond>
+              </p:nextCondLst>
+            </p:seq>
+          </p:childTnLst>
+        </p:cTn>
+      </p:par>
+    </p:tnLst>
+  </p:timing>
+</p:sld>
+</file>
+
+<file path=ppt/slides/slide13.xml><?xml version="1.0" encoding="utf-8"?>
+<p:sld xmlns:a="http://schemas.openxmlformats.org/drawingml/2006/main" xmlns:r="http://schemas.openxmlformats.org/officeDocument/2006/relationships" xmlns:p="http://schemas.openxmlformats.org/presentationml/2006/main">
+  <p:cSld>
+    <p:spTree>
+      <p:nvGrpSpPr>
+        <p:cNvPr id="1" name=""/>
+        <p:cNvGrpSpPr/>
+        <p:nvPr/>
+      </p:nvGrpSpPr>
+      <p:grpSpPr>
+        <a:xfrm>
+          <a:off x="0" y="0"/>
+          <a:ext cx="0" cy="0"/>
+          <a:chOff x="0" y="0"/>
+          <a:chExt cx="0" cy="0"/>
+        </a:xfrm>
+      </p:grpSpPr>
+      <p:sp>
+        <p:nvSpPr>
+          <p:cNvPr id="2" name="Título 1"/>
+          <p:cNvSpPr>
+            <a:spLocks noGrp="1"/>
+          </p:cNvSpPr>
+          <p:nvPr>
+            <p:ph type="title"/>
+          </p:nvPr>
+        </p:nvSpPr>
+        <p:spPr>
+          <a:xfrm>
+            <a:off x="854499" y="2377936"/>
+            <a:ext cx="9603275" cy="1049235"/>
+          </a:xfrm>
+        </p:spPr>
+        <p:txBody>
+          <a:bodyPr>
+            <a:normAutofit/>
+          </a:bodyPr>
+          <a:lstStyle/>
+          <a:p>
+            <a:r>
+              <a:rPr lang="es-ES" sz="6600" dirty="0"/>
+              <a:t>Lectura de sensores</a:t>
+            </a:r>
+            <a:endParaRPr lang="en-GB" sz="6600" dirty="0"/>
+          </a:p>
+        </p:txBody>
+      </p:sp>
+    </p:spTree>
+    <p:extLst>
+      <p:ext uri="{BB962C8B-B14F-4D97-AF65-F5344CB8AC3E}">
+        <p14:creationId xmlns:p14="http://schemas.microsoft.com/office/powerpoint/2010/main" val="1164779363"/>
+      </p:ext>
+    </p:extLst>
+  </p:cSld>
+  <p:clrMapOvr>
+    <a:masterClrMapping/>
+  </p:clrMapOvr>
+</p:sld>
+</file>
+
+<file path=ppt/slides/slide14.xml><?xml version="1.0" encoding="utf-8"?>
+<p:sld xmlns:a="http://schemas.openxmlformats.org/drawingml/2006/main" xmlns:r="http://schemas.openxmlformats.org/officeDocument/2006/relationships" xmlns:p="http://schemas.openxmlformats.org/presentationml/2006/main">
+  <p:cSld>
+    <p:spTree>
+      <p:nvGrpSpPr>
+        <p:cNvPr id="1" name=""/>
+        <p:cNvGrpSpPr/>
+        <p:nvPr/>
+      </p:nvGrpSpPr>
+      <p:grpSpPr>
+        <a:xfrm>
+          <a:off x="0" y="0"/>
+          <a:ext cx="0" cy="0"/>
+          <a:chOff x="0" y="0"/>
+          <a:chExt cx="0" cy="0"/>
+        </a:xfrm>
+      </p:grpSpPr>
+      <p:sp>
+        <p:nvSpPr>
+          <p:cNvPr id="2" name="Título 1"/>
+          <p:cNvSpPr>
+            <a:spLocks noGrp="1"/>
+          </p:cNvSpPr>
+          <p:nvPr>
+            <p:ph type="title"/>
+          </p:nvPr>
+        </p:nvSpPr>
+        <p:spPr/>
+        <p:txBody>
+          <a:bodyPr/>
+          <a:lstStyle/>
+          <a:p>
+            <a:r>
+              <a:rPr lang="es-ES" dirty="0"/>
+              <a:t>DHT11</a:t>
+            </a:r>
+            <a:endParaRPr lang="en-GB" dirty="0"/>
+          </a:p>
+        </p:txBody>
+      </p:sp>
+      <p:pic>
+        <p:nvPicPr>
+          <p:cNvPr id="7" name="Marcador de contenido 6"/>
+          <p:cNvPicPr>
+            <a:picLocks noGrp="1" noChangeAspect="1"/>
+          </p:cNvPicPr>
+          <p:nvPr>
+            <p:ph idx="1"/>
+          </p:nvPr>
+        </p:nvPicPr>
+        <p:blipFill>
+          <a:blip r:embed="rId2"/>
+          <a:stretch>
+            <a:fillRect/>
+          </a:stretch>
+        </p:blipFill>
+        <p:spPr>
+          <a:xfrm>
+            <a:off x="5931907" y="1477941"/>
+            <a:ext cx="5638433" cy="4060442"/>
+          </a:xfrm>
+        </p:spPr>
+      </p:pic>
+      <p:sp>
+        <p:nvSpPr>
+          <p:cNvPr id="9" name="CuadroTexto 8"/>
+          <p:cNvSpPr txBox="1"/>
+          <p:nvPr/>
+        </p:nvSpPr>
+        <p:spPr>
+          <a:xfrm>
+            <a:off x="986971" y="1756229"/>
+            <a:ext cx="4702629" cy="3693319"/>
+          </a:xfrm>
+          <a:prstGeom prst="rect">
+            <a:avLst/>
+          </a:prstGeom>
+          <a:noFill/>
+        </p:spPr>
+        <p:txBody>
+          <a:bodyPr wrap="square" rtlCol="0">
+            <a:spAutoFit/>
+          </a:bodyPr>
+          <a:lstStyle/>
+          <a:p>
+            <a:pPr marL="285750" indent="-285750">
+              <a:buFont typeface="Arial" panose="020B0604020202020204" pitchFamily="34" charset="0"/>
+              <a:buChar char="•"/>
+            </a:pPr>
+            <a:r>
+              <a:rPr lang="es-ES" dirty="0"/>
+              <a:t>Sensor Temperatura y Humedad relativa</a:t>
+            </a:r>
+          </a:p>
+          <a:p>
+            <a:pPr marL="285750" indent="-285750">
+              <a:buFont typeface="Arial" panose="020B0604020202020204" pitchFamily="34" charset="0"/>
+              <a:buChar char="•"/>
+            </a:pPr>
+            <a:r>
+              <a:rPr lang="es-ES" dirty="0"/>
+              <a:t>Usaremos la librería </a:t>
+            </a:r>
+            <a:r>
+              <a:rPr lang="es-ES" i="1" dirty="0" err="1"/>
+              <a:t>SimpleDHT</a:t>
+            </a:r>
+            <a:endParaRPr lang="es-ES" i="1" dirty="0"/>
+          </a:p>
+          <a:p>
+            <a:pPr marL="285750" indent="-285750">
+              <a:buFont typeface="Arial" panose="020B0604020202020204" pitchFamily="34" charset="0"/>
+              <a:buChar char="•"/>
+            </a:pPr>
+            <a:r>
+              <a:rPr lang="es-ES" b="1" i="1" dirty="0"/>
+              <a:t>Programa</a:t>
+            </a:r>
+            <a:r>
+              <a:rPr lang="es-ES" b="1" i="1" dirty="0">
+                <a:sym typeface="Wingdings" panose="05000000000000000000" pitchFamily="2" charset="2"/>
+              </a:rPr>
+              <a:t> Incluir librería  Gestor de librerías</a:t>
+            </a:r>
+          </a:p>
+          <a:p>
+            <a:pPr marL="742950" lvl="1" indent="-285750">
+              <a:buFont typeface="Arial" panose="020B0604020202020204" pitchFamily="34" charset="0"/>
+              <a:buChar char="•"/>
+            </a:pPr>
+            <a:r>
+              <a:rPr lang="es-ES" dirty="0">
+                <a:sym typeface="Wingdings" panose="05000000000000000000" pitchFamily="2" charset="2"/>
+              </a:rPr>
+              <a:t>Buscar </a:t>
+            </a:r>
+            <a:r>
+              <a:rPr lang="es-ES" i="1" dirty="0" err="1">
+                <a:sym typeface="Wingdings" panose="05000000000000000000" pitchFamily="2" charset="2"/>
+              </a:rPr>
+              <a:t>SimpleDHT</a:t>
+            </a:r>
+            <a:endParaRPr lang="es-ES" i="1" dirty="0">
+              <a:sym typeface="Wingdings" panose="05000000000000000000" pitchFamily="2" charset="2"/>
+            </a:endParaRPr>
+          </a:p>
+          <a:p>
+            <a:pPr marL="742950" lvl="1" indent="-285750">
+              <a:buFont typeface="Arial" panose="020B0604020202020204" pitchFamily="34" charset="0"/>
+              <a:buChar char="•"/>
+            </a:pPr>
+            <a:endParaRPr lang="es-ES" i="1" dirty="0">
+              <a:sym typeface="Wingdings" panose="05000000000000000000" pitchFamily="2" charset="2"/>
+            </a:endParaRPr>
+          </a:p>
+          <a:p>
+            <a:pPr marL="285750" indent="-285750">
+              <a:buFont typeface="Arial" panose="020B0604020202020204" pitchFamily="34" charset="0"/>
+              <a:buChar char="•"/>
+            </a:pPr>
+            <a:r>
+              <a:rPr lang="es-ES" i="1" dirty="0" err="1">
+                <a:sym typeface="Wingdings" panose="05000000000000000000" pitchFamily="2" charset="2"/>
+              </a:rPr>
+              <a:t>Vcc</a:t>
+            </a:r>
+            <a:r>
+              <a:rPr lang="es-ES" i="1" dirty="0">
+                <a:sym typeface="Wingdings" panose="05000000000000000000" pitchFamily="2" charset="2"/>
+              </a:rPr>
+              <a:t> (+) 3.3V</a:t>
+            </a:r>
+          </a:p>
+          <a:p>
+            <a:pPr marL="285750" indent="-285750">
+              <a:buFont typeface="Arial" panose="020B0604020202020204" pitchFamily="34" charset="0"/>
+              <a:buChar char="•"/>
+            </a:pPr>
+            <a:r>
+              <a:rPr lang="es-ES" i="1" dirty="0">
+                <a:sym typeface="Wingdings" panose="05000000000000000000" pitchFamily="2" charset="2"/>
+              </a:rPr>
+              <a:t>GND (-) GND</a:t>
+            </a:r>
+          </a:p>
+          <a:p>
+            <a:pPr marL="285750" indent="-285750">
+              <a:buFont typeface="Arial" panose="020B0604020202020204" pitchFamily="34" charset="0"/>
+              <a:buChar char="•"/>
+            </a:pPr>
+            <a:r>
+              <a:rPr lang="es-ES" i="1" dirty="0" err="1">
+                <a:sym typeface="Wingdings" panose="05000000000000000000" pitchFamily="2" charset="2"/>
+              </a:rPr>
+              <a:t>Out</a:t>
+            </a:r>
+            <a:r>
+              <a:rPr lang="es-ES" i="1" dirty="0">
+                <a:sym typeface="Wingdings" panose="05000000000000000000" pitchFamily="2" charset="2"/>
+              </a:rPr>
+              <a:t>  D4</a:t>
+            </a:r>
+          </a:p>
+          <a:p>
+            <a:pPr marL="285750" indent="-285750">
+              <a:buFont typeface="Arial" panose="020B0604020202020204" pitchFamily="34" charset="0"/>
+              <a:buChar char="•"/>
+            </a:pPr>
+            <a:endParaRPr lang="es-ES" i="1" dirty="0">
+              <a:sym typeface="Wingdings" panose="05000000000000000000" pitchFamily="2" charset="2"/>
+            </a:endParaRPr>
+          </a:p>
+          <a:p>
+            <a:pPr marL="285750" indent="-285750">
+              <a:buFont typeface="Arial" panose="020B0604020202020204" pitchFamily="34" charset="0"/>
+              <a:buChar char="•"/>
+            </a:pPr>
+            <a:r>
+              <a:rPr lang="es-ES" i="1" dirty="0">
+                <a:sym typeface="Wingdings" panose="05000000000000000000" pitchFamily="2" charset="2"/>
+              </a:rPr>
+              <a:t>Cargar ejemplo</a:t>
+            </a:r>
+            <a:endParaRPr lang="es-ES" dirty="0"/>
+          </a:p>
+          <a:p>
+            <a:pPr marL="285750" indent="-285750">
+              <a:buFont typeface="Arial" panose="020B0604020202020204" pitchFamily="34" charset="0"/>
+              <a:buChar char="•"/>
+            </a:pPr>
+            <a:endParaRPr lang="en-GB" dirty="0"/>
+          </a:p>
+        </p:txBody>
+      </p:sp>
+      <p:sp>
+        <p:nvSpPr>
+          <p:cNvPr id="10" name="AutoShape 6" descr="arduino-dht11-dht22-patillaje"/>
+          <p:cNvSpPr>
+            <a:spLocks noChangeAspect="1" noChangeArrowheads="1"/>
+          </p:cNvSpPr>
+          <p:nvPr/>
+        </p:nvSpPr>
+        <p:spPr bwMode="auto">
+          <a:xfrm>
+            <a:off x="5943600" y="3276600"/>
+            <a:ext cx="304800" cy="304800"/>
+          </a:xfrm>
+          <a:prstGeom prst="rect">
+            <a:avLst/>
+          </a:prstGeom>
+          <a:noFill/>
+          <a:extLst>
+            <a:ext uri="{909E8E84-426E-40DD-AFC4-6F175D3DCCD1}">
+              <a14:hiddenFill xmlns:a14="http://schemas.microsoft.com/office/drawing/2010/main">
+                <a:solidFill>
+                  <a:srgbClr val="FFFFFF"/>
+                </a:solidFill>
+              </a14:hiddenFill>
+            </a:ext>
+          </a:extLst>
+        </p:spPr>
+        <p:txBody>
+          <a:bodyPr vert="horz" wrap="square" lIns="91440" tIns="45720" rIns="91440" bIns="45720" numCol="1" anchor="t" anchorCtr="0" compatLnSpc="1">
+            <a:prstTxWarp prst="textNoShape">
+              <a:avLst/>
+            </a:prstTxWarp>
+          </a:bodyPr>
+          <a:lstStyle/>
+          <a:p>
+            <a:endParaRPr lang="en-GB"/>
+          </a:p>
+        </p:txBody>
+      </p:sp>
+      <p:sp>
+        <p:nvSpPr>
+          <p:cNvPr id="11" name="AutoShape 8" descr="arduino-dht11-dht22-patillaje"/>
+          <p:cNvSpPr>
+            <a:spLocks noChangeAspect="1" noChangeArrowheads="1"/>
+          </p:cNvSpPr>
+          <p:nvPr/>
+        </p:nvSpPr>
+        <p:spPr bwMode="auto">
+          <a:xfrm>
+            <a:off x="6096000" y="3429000"/>
+            <a:ext cx="304800" cy="304800"/>
+          </a:xfrm>
+          <a:prstGeom prst="rect">
+            <a:avLst/>
+          </a:prstGeom>
+          <a:noFill/>
+          <a:extLst>
+            <a:ext uri="{909E8E84-426E-40DD-AFC4-6F175D3DCCD1}">
+              <a14:hiddenFill xmlns:a14="http://schemas.microsoft.com/office/drawing/2010/main">
+                <a:solidFill>
+                  <a:srgbClr val="FFFFFF"/>
+                </a:solidFill>
+              </a14:hiddenFill>
+            </a:ext>
+          </a:extLst>
+        </p:spPr>
+        <p:txBody>
+          <a:bodyPr vert="horz" wrap="square" lIns="91440" tIns="45720" rIns="91440" bIns="45720" numCol="1" anchor="t" anchorCtr="0" compatLnSpc="1">
+            <a:prstTxWarp prst="textNoShape">
+              <a:avLst/>
+            </a:prstTxWarp>
+          </a:bodyPr>
+          <a:lstStyle/>
+          <a:p>
+            <a:endParaRPr lang="en-GB"/>
+          </a:p>
+        </p:txBody>
+      </p:sp>
+      <p:pic>
+        <p:nvPicPr>
+          <p:cNvPr id="13" name="Imagen 12"/>
+          <p:cNvPicPr>
+            <a:picLocks noChangeAspect="1"/>
+          </p:cNvPicPr>
+          <p:nvPr/>
+        </p:nvPicPr>
+        <p:blipFill>
+          <a:blip r:embed="rId3"/>
+          <a:stretch>
+            <a:fillRect/>
+          </a:stretch>
+        </p:blipFill>
+        <p:spPr>
+          <a:xfrm>
+            <a:off x="3799391" y="3733800"/>
+            <a:ext cx="1476375" cy="1704975"/>
+          </a:xfrm>
+          <a:prstGeom prst="rect">
+            <a:avLst/>
+          </a:prstGeom>
+        </p:spPr>
+      </p:pic>
+    </p:spTree>
+    <p:extLst>
+      <p:ext uri="{BB962C8B-B14F-4D97-AF65-F5344CB8AC3E}">
+        <p14:creationId xmlns:p14="http://schemas.microsoft.com/office/powerpoint/2010/main" val="3999896188"/>
+      </p:ext>
+    </p:extLst>
+  </p:cSld>
+  <p:clrMapOvr>
+    <a:masterClrMapping/>
+  </p:clrMapOvr>
+</p:sld>
+</file>
+
+<file path=ppt/slides/slide15.xml><?xml version="1.0" encoding="utf-8"?>
+<p:sld xmlns:a="http://schemas.openxmlformats.org/drawingml/2006/main" xmlns:r="http://schemas.openxmlformats.org/officeDocument/2006/relationships" xmlns:p="http://schemas.openxmlformats.org/presentationml/2006/main">
+  <p:cSld>
+    <p:spTree>
+      <p:nvGrpSpPr>
+        <p:cNvPr id="1" name=""/>
+        <p:cNvGrpSpPr/>
+        <p:nvPr/>
+      </p:nvGrpSpPr>
+      <p:grpSpPr>
+        <a:xfrm>
+          <a:off x="0" y="0"/>
+          <a:ext cx="0" cy="0"/>
+          <a:chOff x="0" y="0"/>
+          <a:chExt cx="0" cy="0"/>
+        </a:xfrm>
+      </p:grpSpPr>
+      <p:sp>
+        <p:nvSpPr>
+          <p:cNvPr id="2" name="Título 1"/>
+          <p:cNvSpPr>
+            <a:spLocks noGrp="1"/>
+          </p:cNvSpPr>
+          <p:nvPr>
+            <p:ph type="title"/>
+          </p:nvPr>
+        </p:nvSpPr>
+        <p:spPr/>
+        <p:txBody>
+          <a:bodyPr/>
+          <a:lstStyle/>
+          <a:p>
+            <a:r>
+              <a:rPr lang="es-ES" dirty="0"/>
+              <a:t>Sensor humedad de suelo</a:t>
+            </a:r>
+            <a:endParaRPr lang="en-GB" dirty="0"/>
+          </a:p>
+        </p:txBody>
+      </p:sp>
+      <p:sp>
+        <p:nvSpPr>
+          <p:cNvPr id="3" name="Marcador de contenido 2"/>
+          <p:cNvSpPr>
+            <a:spLocks noGrp="1"/>
+          </p:cNvSpPr>
+          <p:nvPr>
+            <p:ph idx="1"/>
+          </p:nvPr>
+        </p:nvSpPr>
+        <p:spPr>
+          <a:xfrm>
+            <a:off x="1130270" y="1893108"/>
+            <a:ext cx="5658787" cy="3709537"/>
+          </a:xfrm>
+        </p:spPr>
+        <p:txBody>
+          <a:bodyPr>
+            <a:normAutofit fontScale="92500" lnSpcReduction="10000"/>
+          </a:bodyPr>
+          <a:lstStyle/>
+          <a:p>
+            <a:r>
+              <a:rPr lang="es-ES" dirty="0"/>
+              <a:t>Sensor Analógico</a:t>
+            </a:r>
+          </a:p>
+          <a:p>
+            <a:endParaRPr lang="es-ES" dirty="0"/>
+          </a:p>
+          <a:p>
+            <a:r>
+              <a:rPr lang="es-ES" dirty="0" err="1"/>
+              <a:t>Vcc</a:t>
+            </a:r>
+            <a:r>
+              <a:rPr lang="es-ES" dirty="0"/>
+              <a:t> </a:t>
+            </a:r>
+            <a:r>
+              <a:rPr lang="es-ES" dirty="0">
+                <a:sym typeface="Wingdings" panose="05000000000000000000" pitchFamily="2" charset="2"/>
+              </a:rPr>
+              <a:t> 3.3V (¡¡OJO, NO CONECTAR A 5V!!)</a:t>
+            </a:r>
+          </a:p>
+          <a:p>
+            <a:r>
+              <a:rPr lang="es-ES" dirty="0">
+                <a:sym typeface="Wingdings" panose="05000000000000000000" pitchFamily="2" charset="2"/>
+              </a:rPr>
+              <a:t>GND  GND (0V)</a:t>
+            </a:r>
+          </a:p>
+          <a:p>
+            <a:r>
+              <a:rPr lang="es-ES" dirty="0">
+                <a:sym typeface="Wingdings" panose="05000000000000000000" pitchFamily="2" charset="2"/>
+              </a:rPr>
+              <a:t>A0  A0</a:t>
+            </a:r>
+          </a:p>
+          <a:p>
+            <a:pPr lvl="1"/>
+            <a:r>
+              <a:rPr lang="es-ES" dirty="0">
+                <a:sym typeface="Wingdings" panose="05000000000000000000" pitchFamily="2" charset="2"/>
+              </a:rPr>
+              <a:t>Fácil, no?! :D</a:t>
+            </a:r>
+          </a:p>
+          <a:p>
+            <a:r>
+              <a:rPr lang="es-ES" b="1" dirty="0"/>
+              <a:t>Ejercicio: </a:t>
+            </a:r>
+            <a:r>
+              <a:rPr lang="es-ES" dirty="0"/>
+              <a:t>Cargamos el sketch de ejemplo y sumergimos la sonda en un vaso con agua. ¿Qué ocurre?</a:t>
+            </a:r>
+            <a:endParaRPr lang="en-GB" dirty="0"/>
+          </a:p>
+        </p:txBody>
+      </p:sp>
+      <p:pic>
+        <p:nvPicPr>
+          <p:cNvPr id="6146" name="Picture 2" descr="Resultado de imagen de sensor humedad suelo"/>
+          <p:cNvPicPr>
+            <a:picLocks noChangeAspect="1" noChangeArrowheads="1"/>
+          </p:cNvPicPr>
+          <p:nvPr/>
+        </p:nvPicPr>
+        <p:blipFill>
+          <a:blip r:embed="rId2">
+            <a:clrChange>
+              <a:clrFrom>
+                <a:srgbClr val="FFFFFF"/>
+              </a:clrFrom>
+              <a:clrTo>
+                <a:srgbClr val="FFFFFF">
+                  <a:alpha val="0"/>
+                </a:srgbClr>
+              </a:clrTo>
+            </a:clrChange>
+            <a:extLst>
+              <a:ext uri="{28A0092B-C50C-407E-A947-70E740481C1C}">
+                <a14:useLocalDpi xmlns:a14="http://schemas.microsoft.com/office/drawing/2010/main" val="0"/>
+              </a:ext>
+            </a:extLst>
+          </a:blip>
+          <a:srcRect/>
+          <a:stretch>
+            <a:fillRect/>
+          </a:stretch>
+        </p:blipFill>
+        <p:spPr bwMode="auto">
+          <a:xfrm>
+            <a:off x="6789057" y="1491367"/>
+            <a:ext cx="4764314" cy="3573236"/>
+          </a:xfrm>
+          <a:prstGeom prst="rect">
+            <a:avLst/>
+          </a:prstGeom>
+          <a:noFill/>
+          <a:extLst>
+            <a:ext uri="{909E8E84-426E-40DD-AFC4-6F175D3DCCD1}">
+              <a14:hiddenFill xmlns:a14="http://schemas.microsoft.com/office/drawing/2010/main">
+                <a:solidFill>
+                  <a:srgbClr val="FFFFFF"/>
+                </a:solidFill>
+              </a14:hiddenFill>
+            </a:ext>
+          </a:extLst>
+        </p:spPr>
+      </p:pic>
+    </p:spTree>
+    <p:extLst>
+      <p:ext uri="{BB962C8B-B14F-4D97-AF65-F5344CB8AC3E}">
+        <p14:creationId xmlns:p14="http://schemas.microsoft.com/office/powerpoint/2010/main" val="3080214454"/>
+      </p:ext>
+    </p:extLst>
+  </p:cSld>
+  <p:clrMapOvr>
+    <a:masterClrMapping/>
+  </p:clrMapOvr>
+</p:sld>
+</file>
+
+<file path=ppt/slides/slide16.xml><?xml version="1.0" encoding="utf-8"?>
+<p:sld xmlns:a="http://schemas.openxmlformats.org/drawingml/2006/main" xmlns:r="http://schemas.openxmlformats.org/officeDocument/2006/relationships" xmlns:p="http://schemas.openxmlformats.org/presentationml/2006/main">
+  <p:cSld>
+    <p:spTree>
+      <p:nvGrpSpPr>
+        <p:cNvPr id="1" name=""/>
+        <p:cNvGrpSpPr/>
+        <p:nvPr/>
+      </p:nvGrpSpPr>
+      <p:grpSpPr>
+        <a:xfrm>
+          <a:off x="0" y="0"/>
+          <a:ext cx="0" cy="0"/>
+          <a:chOff x="0" y="0"/>
+          <a:chExt cx="0" cy="0"/>
+        </a:xfrm>
+      </p:grpSpPr>
+      <p:sp>
+        <p:nvSpPr>
+          <p:cNvPr id="2" name="Título 1"/>
+          <p:cNvSpPr>
+            <a:spLocks noGrp="1"/>
+          </p:cNvSpPr>
+          <p:nvPr>
+            <p:ph type="title"/>
+          </p:nvPr>
+        </p:nvSpPr>
+        <p:spPr/>
+        <p:txBody>
+          <a:bodyPr/>
+          <a:lstStyle/>
+          <a:p>
+            <a:r>
+              <a:rPr lang="es-ES" dirty="0"/>
+              <a:t>Servidor web: Control de un LED</a:t>
+            </a:r>
+            <a:endParaRPr lang="en-GB" dirty="0"/>
+          </a:p>
+        </p:txBody>
+      </p:sp>
+      <p:sp>
+        <p:nvSpPr>
+          <p:cNvPr id="3" name="Marcador de contenido 2"/>
+          <p:cNvSpPr>
+            <a:spLocks noGrp="1"/>
+          </p:cNvSpPr>
+          <p:nvPr>
+            <p:ph idx="1"/>
+          </p:nvPr>
+        </p:nvSpPr>
+        <p:spPr/>
+        <p:txBody>
+          <a:bodyPr>
+            <a:normAutofit/>
+          </a:bodyPr>
+          <a:lstStyle/>
+          <a:p>
+            <a:r>
+              <a:rPr lang="es-ES" dirty="0"/>
+              <a:t>Controlar el LED interno de la </a:t>
+            </a:r>
+            <a:r>
+              <a:rPr lang="es-ES" i="1" dirty="0" err="1"/>
+              <a:t>NodeMCU</a:t>
+            </a:r>
+            <a:r>
+              <a:rPr lang="es-ES" dirty="0"/>
+              <a:t> mediante una página web HTTP</a:t>
+            </a:r>
+          </a:p>
+          <a:p>
+            <a:r>
+              <a:rPr lang="es-ES" dirty="0"/>
+              <a:t>Mediante dos botones realizaremos peticiones al servidor para que encienda o apague el LED.</a:t>
+            </a:r>
+          </a:p>
+          <a:p>
+            <a:r>
+              <a:rPr lang="es-ES" dirty="0"/>
+              <a:t>Es el ejemplo más sencillo que se puede realizar después del </a:t>
+            </a:r>
+            <a:r>
+              <a:rPr lang="es-ES" dirty="0" err="1"/>
+              <a:t>Blink</a:t>
+            </a:r>
+            <a:r>
+              <a:rPr lang="es-ES" dirty="0"/>
+              <a:t> y con él aprenderemos a conectarnos a una red Wifi, a crear un servidor HTTP, y a responder y diferenciar entre las distintas peticiones que nos hará un cliente.</a:t>
+            </a:r>
+          </a:p>
+        </p:txBody>
+      </p:sp>
+    </p:spTree>
+    <p:extLst>
+      <p:ext uri="{BB962C8B-B14F-4D97-AF65-F5344CB8AC3E}">
+        <p14:creationId xmlns:p14="http://schemas.microsoft.com/office/powerpoint/2010/main" val="3312652500"/>
+      </p:ext>
+    </p:extLst>
+  </p:cSld>
+  <p:clrMapOvr>
+    <a:masterClrMapping/>
+  </p:clrMapOvr>
+</p:sld>
+</file>
+
+<file path=ppt/slides/slide17.xml><?xml version="1.0" encoding="utf-8"?>
+<p:sld xmlns:a="http://schemas.openxmlformats.org/drawingml/2006/main" xmlns:r="http://schemas.openxmlformats.org/officeDocument/2006/relationships" xmlns:p="http://schemas.openxmlformats.org/presentationml/2006/main">
+  <p:cSld>
+    <p:spTree>
+      <p:nvGrpSpPr>
+        <p:cNvPr id="1" name=""/>
+        <p:cNvGrpSpPr/>
+        <p:nvPr/>
+      </p:nvGrpSpPr>
+      <p:grpSpPr>
+        <a:xfrm>
+          <a:off x="0" y="0"/>
+          <a:ext cx="0" cy="0"/>
+          <a:chOff x="0" y="0"/>
+          <a:chExt cx="0" cy="0"/>
+        </a:xfrm>
+      </p:grpSpPr>
+      <p:sp>
+        <p:nvSpPr>
+          <p:cNvPr id="2" name="Título 1"/>
+          <p:cNvSpPr>
+            <a:spLocks noGrp="1"/>
+          </p:cNvSpPr>
+          <p:nvPr>
+            <p:ph type="title"/>
+          </p:nvPr>
+        </p:nvSpPr>
+        <p:spPr/>
+        <p:txBody>
+          <a:bodyPr/>
+          <a:lstStyle/>
+          <a:p>
+            <a:r>
+              <a:rPr lang="es-ES" dirty="0"/>
+              <a:t>Conexión a red </a:t>
+            </a:r>
+            <a:r>
+              <a:rPr lang="es-ES" dirty="0" err="1"/>
+              <a:t>WiFi</a:t>
+            </a:r>
+            <a:endParaRPr lang="en-GB" dirty="0"/>
+          </a:p>
+        </p:txBody>
+      </p:sp>
+      <p:sp>
+        <p:nvSpPr>
+          <p:cNvPr id="3" name="Marcador de contenido 2"/>
+          <p:cNvSpPr>
+            <a:spLocks noGrp="1"/>
+          </p:cNvSpPr>
+          <p:nvPr>
+            <p:ph idx="1"/>
+          </p:nvPr>
+        </p:nvSpPr>
+        <p:spPr/>
+        <p:txBody>
+          <a:bodyPr>
+            <a:normAutofit fontScale="85000" lnSpcReduction="10000"/>
+          </a:bodyPr>
+          <a:lstStyle/>
+          <a:p>
+            <a:r>
+              <a:rPr lang="es-ES" dirty="0"/>
+              <a:t>Usaremos la librería es la </a:t>
+            </a:r>
+            <a:r>
+              <a:rPr lang="es-ES" i="1" dirty="0">
+                <a:hlinkClick r:id="rId2"/>
+              </a:rPr>
+              <a:t>ESP8266Wifi.h</a:t>
+            </a:r>
+            <a:r>
+              <a:rPr lang="es-ES" i="1" dirty="0"/>
+              <a:t>, </a:t>
+            </a:r>
+            <a:r>
+              <a:rPr lang="es-ES" dirty="0"/>
+              <a:t>muy parecida a la nativa de Arduino </a:t>
+            </a:r>
+            <a:r>
+              <a:rPr lang="en-GB" i="1" dirty="0" err="1"/>
+              <a:t>WiFi.h</a:t>
+            </a:r>
+            <a:r>
+              <a:rPr lang="en-GB" dirty="0"/>
+              <a:t>.</a:t>
+            </a:r>
+          </a:p>
+          <a:p>
+            <a:r>
+              <a:rPr lang="en-GB" b="1" dirty="0" err="1"/>
+              <a:t>WiFi.begin</a:t>
+            </a:r>
+            <a:r>
+              <a:rPr lang="en-GB" b="1" dirty="0"/>
+              <a:t>("network-name", "pass-to-network")</a:t>
+            </a:r>
+            <a:r>
+              <a:rPr lang="en-GB" dirty="0"/>
+              <a:t>: Nos </a:t>
+            </a:r>
+            <a:r>
+              <a:rPr lang="en-GB" dirty="0" err="1"/>
+              <a:t>permite</a:t>
+            </a:r>
+            <a:r>
+              <a:rPr lang="en-GB" dirty="0"/>
+              <a:t> </a:t>
+            </a:r>
+            <a:r>
+              <a:rPr lang="en-GB" dirty="0" err="1"/>
+              <a:t>iniciar</a:t>
+            </a:r>
+            <a:r>
+              <a:rPr lang="en-GB" dirty="0"/>
+              <a:t> </a:t>
+            </a:r>
+            <a:r>
+              <a:rPr lang="en-GB" dirty="0" err="1"/>
+              <a:t>una</a:t>
+            </a:r>
+            <a:r>
+              <a:rPr lang="en-GB" dirty="0"/>
+              <a:t> </a:t>
+            </a:r>
+            <a:r>
+              <a:rPr lang="en-GB" dirty="0" err="1"/>
+              <a:t>conexión</a:t>
+            </a:r>
+            <a:r>
+              <a:rPr lang="en-GB" dirty="0"/>
+              <a:t>. </a:t>
+            </a:r>
+            <a:r>
+              <a:rPr lang="en-GB" dirty="0" err="1"/>
+              <a:t>Acepta</a:t>
+            </a:r>
+            <a:r>
+              <a:rPr lang="en-GB" dirty="0"/>
+              <a:t> </a:t>
+            </a:r>
+            <a:r>
+              <a:rPr lang="en-GB" dirty="0" err="1"/>
+              <a:t>como</a:t>
+            </a:r>
+            <a:r>
+              <a:rPr lang="en-GB" dirty="0"/>
+              <a:t> </a:t>
+            </a:r>
+            <a:r>
+              <a:rPr lang="en-GB" dirty="0" err="1"/>
+              <a:t>parámetros</a:t>
+            </a:r>
+            <a:r>
+              <a:rPr lang="en-GB" dirty="0"/>
+              <a:t> la SSID y el PASS del </a:t>
+            </a:r>
+            <a:r>
+              <a:rPr lang="en-GB" dirty="0" err="1"/>
+              <a:t>WiFi</a:t>
+            </a:r>
+            <a:r>
+              <a:rPr lang="en-GB" dirty="0"/>
+              <a:t>.</a:t>
+            </a:r>
+          </a:p>
+          <a:p>
+            <a:r>
+              <a:rPr lang="en-GB" b="1" dirty="0" err="1"/>
+              <a:t>WiFi.mode</a:t>
+            </a:r>
+            <a:r>
+              <a:rPr lang="en-GB" b="1" dirty="0"/>
+              <a:t>(m)</a:t>
+            </a:r>
+            <a:r>
+              <a:rPr lang="en-GB" dirty="0"/>
+              <a:t>: </a:t>
+            </a:r>
+            <a:r>
+              <a:rPr lang="en-GB" dirty="0" err="1"/>
+              <a:t>Establece</a:t>
+            </a:r>
+            <a:r>
+              <a:rPr lang="en-GB" dirty="0"/>
+              <a:t> el </a:t>
+            </a:r>
+            <a:r>
+              <a:rPr lang="en-GB" dirty="0" err="1"/>
+              <a:t>modo</a:t>
+            </a:r>
+            <a:r>
+              <a:rPr lang="en-GB" dirty="0"/>
+              <a:t> de </a:t>
+            </a:r>
+            <a:r>
+              <a:rPr lang="en-GB" dirty="0" err="1"/>
+              <a:t>operación</a:t>
+            </a:r>
+            <a:r>
+              <a:rPr lang="en-GB" dirty="0"/>
+              <a:t> del </a:t>
+            </a:r>
+            <a:r>
+              <a:rPr lang="en-GB" dirty="0" err="1"/>
+              <a:t>WiFi</a:t>
+            </a:r>
+            <a:r>
+              <a:rPr lang="en-GB" dirty="0"/>
+              <a:t> (WIFI_AP, WIFI_STA, WIFI_AP_STA o WIFI_OFF)</a:t>
+            </a:r>
+          </a:p>
+          <a:p>
+            <a:r>
+              <a:rPr lang="en-GB" b="1" dirty="0" err="1"/>
+              <a:t>WiFi.status</a:t>
+            </a:r>
+            <a:r>
+              <a:rPr lang="en-GB" b="1" dirty="0"/>
+              <a:t>()</a:t>
+            </a:r>
+            <a:r>
+              <a:rPr lang="en-GB" dirty="0"/>
+              <a:t>: </a:t>
+            </a:r>
+            <a:r>
+              <a:rPr lang="en-GB" dirty="0" err="1"/>
+              <a:t>Devolverá</a:t>
+            </a:r>
+            <a:r>
+              <a:rPr lang="en-GB" dirty="0"/>
+              <a:t> el </a:t>
+            </a:r>
+            <a:r>
+              <a:rPr lang="en-GB" dirty="0" err="1"/>
+              <a:t>parámetro</a:t>
+            </a:r>
+            <a:r>
+              <a:rPr lang="en-GB" dirty="0"/>
+              <a:t> </a:t>
+            </a:r>
+            <a:r>
+              <a:rPr lang="en-GB" i="1" dirty="0"/>
+              <a:t>WL_CONNECTED</a:t>
+            </a:r>
+            <a:r>
+              <a:rPr lang="en-GB" dirty="0"/>
+              <a:t> </a:t>
+            </a:r>
+            <a:r>
+              <a:rPr lang="en-GB" dirty="0" err="1"/>
+              <a:t>si</a:t>
+            </a:r>
+            <a:r>
+              <a:rPr lang="en-GB" dirty="0"/>
+              <a:t> </a:t>
+            </a:r>
+            <a:r>
+              <a:rPr lang="en-GB" dirty="0" err="1"/>
+              <a:t>estamos</a:t>
+            </a:r>
+            <a:r>
+              <a:rPr lang="en-GB" dirty="0"/>
+              <a:t> </a:t>
+            </a:r>
+            <a:r>
+              <a:rPr lang="en-GB" dirty="0" err="1"/>
+              <a:t>conectados</a:t>
+            </a:r>
+            <a:r>
+              <a:rPr lang="en-GB" dirty="0"/>
+              <a:t> </a:t>
+            </a:r>
+            <a:r>
+              <a:rPr lang="en-GB" dirty="0" err="1"/>
+              <a:t>correctamente</a:t>
+            </a:r>
+            <a:r>
+              <a:rPr lang="en-GB" dirty="0"/>
+              <a:t>.</a:t>
+            </a:r>
+          </a:p>
+          <a:p>
+            <a:r>
+              <a:rPr lang="en-GB" b="1" dirty="0" err="1"/>
+              <a:t>WiFi.localIP</a:t>
+            </a:r>
+            <a:r>
+              <a:rPr lang="en-GB" b="1" dirty="0"/>
+              <a:t>()</a:t>
+            </a:r>
+            <a:r>
+              <a:rPr lang="en-GB" dirty="0"/>
+              <a:t>: Nos </a:t>
+            </a:r>
+            <a:r>
+              <a:rPr lang="en-GB" dirty="0" err="1"/>
+              <a:t>devuelve</a:t>
+            </a:r>
+            <a:r>
+              <a:rPr lang="en-GB" dirty="0"/>
+              <a:t> la IP a la que </a:t>
+            </a:r>
+            <a:r>
+              <a:rPr lang="en-GB" dirty="0" err="1"/>
+              <a:t>estamos</a:t>
+            </a:r>
+            <a:r>
+              <a:rPr lang="en-GB" dirty="0"/>
+              <a:t> </a:t>
+            </a:r>
+            <a:r>
+              <a:rPr lang="en-GB" dirty="0" err="1"/>
+              <a:t>conectados</a:t>
+            </a:r>
+            <a:r>
+              <a:rPr lang="en-GB" dirty="0"/>
+              <a:t>. (Solo para STA)</a:t>
+            </a:r>
+          </a:p>
+          <a:p>
+            <a:pPr marL="0" indent="0">
+              <a:buNone/>
+            </a:pPr>
+            <a:endParaRPr lang="es-ES" dirty="0"/>
+          </a:p>
+        </p:txBody>
+      </p:sp>
+    </p:spTree>
+    <p:extLst>
+      <p:ext uri="{BB962C8B-B14F-4D97-AF65-F5344CB8AC3E}">
+        <p14:creationId xmlns:p14="http://schemas.microsoft.com/office/powerpoint/2010/main" val="2676399500"/>
+      </p:ext>
+    </p:extLst>
+  </p:cSld>
+  <p:clrMapOvr>
+    <a:masterClrMapping/>
+  </p:clrMapOvr>
+</p:sld>
+</file>
+
+<file path=ppt/slides/slide18.xml><?xml version="1.0" encoding="utf-8"?>
+<p:sld xmlns:a="http://schemas.openxmlformats.org/drawingml/2006/main" xmlns:r="http://schemas.openxmlformats.org/officeDocument/2006/relationships" xmlns:p="http://schemas.openxmlformats.org/presentationml/2006/main">
+  <p:cSld>
+    <p:spTree>
+      <p:nvGrpSpPr>
+        <p:cNvPr id="1" name=""/>
+        <p:cNvGrpSpPr/>
+        <p:nvPr/>
+      </p:nvGrpSpPr>
+      <p:grpSpPr>
+        <a:xfrm>
+          <a:off x="0" y="0"/>
+          <a:ext cx="0" cy="0"/>
+          <a:chOff x="0" y="0"/>
+          <a:chExt cx="0" cy="0"/>
+        </a:xfrm>
+      </p:grpSpPr>
+      <p:pic>
+        <p:nvPicPr>
+          <p:cNvPr id="5" name="Imagen 4"/>
+          <p:cNvPicPr>
+            <a:picLocks noChangeAspect="1"/>
+          </p:cNvPicPr>
+          <p:nvPr/>
+        </p:nvPicPr>
+        <p:blipFill>
+          <a:blip r:embed="rId2">
+            <a:clrChange>
+              <a:clrFrom>
+                <a:srgbClr val="F6F8FA"/>
+              </a:clrFrom>
+              <a:clrTo>
+                <a:srgbClr val="F6F8FA">
+                  <a:alpha val="0"/>
+                </a:srgbClr>
+              </a:clrTo>
+            </a:clrChange>
+          </a:blip>
+          <a:stretch>
+            <a:fillRect/>
+          </a:stretch>
+        </p:blipFill>
+        <p:spPr>
+          <a:xfrm>
+            <a:off x="1654628" y="901798"/>
+            <a:ext cx="7772631" cy="5233892"/>
+          </a:xfrm>
+          <a:prstGeom prst="rect">
+            <a:avLst/>
+          </a:prstGeom>
+        </p:spPr>
+      </p:pic>
+      <p:sp>
+        <p:nvSpPr>
+          <p:cNvPr id="6" name="CuadroTexto 5"/>
+          <p:cNvSpPr txBox="1"/>
+          <p:nvPr/>
+        </p:nvSpPr>
+        <p:spPr>
+          <a:xfrm>
+            <a:off x="5225143" y="1436914"/>
+            <a:ext cx="6400800" cy="707886"/>
+          </a:xfrm>
+          <a:prstGeom prst="rect">
+            <a:avLst/>
+          </a:prstGeom>
+          <a:noFill/>
+        </p:spPr>
+        <p:txBody>
+          <a:bodyPr wrap="square" rtlCol="0">
+            <a:spAutoFit/>
+          </a:bodyPr>
+          <a:lstStyle/>
+          <a:p>
+            <a:r>
+              <a:rPr lang="es-ES" sz="2000" dirty="0"/>
+              <a:t>Disponible en:</a:t>
+            </a:r>
+          </a:p>
+          <a:p>
+            <a:r>
+              <a:rPr lang="en-GB" sz="2000" dirty="0">
+                <a:hlinkClick r:id="rId3"/>
+              </a:rPr>
+              <a:t>https://github.com/jaimelaborda/Planta-Twittera</a:t>
+            </a:r>
+            <a:endParaRPr lang="en-GB" sz="2000" dirty="0"/>
+          </a:p>
+        </p:txBody>
+      </p:sp>
+    </p:spTree>
+    <p:extLst>
+      <p:ext uri="{BB962C8B-B14F-4D97-AF65-F5344CB8AC3E}">
+        <p14:creationId xmlns:p14="http://schemas.microsoft.com/office/powerpoint/2010/main" val="2720451708"/>
+      </p:ext>
+    </p:extLst>
+  </p:cSld>
+  <p:clrMapOvr>
+    <a:masterClrMapping/>
+  </p:clrMapOvr>
+</p:sld>
+</file>
+
+<file path=ppt/slides/slide19.xml><?xml version="1.0" encoding="utf-8"?>
+<p:sld xmlns:a="http://schemas.openxmlformats.org/drawingml/2006/main" xmlns:r="http://schemas.openxmlformats.org/officeDocument/2006/relationships" xmlns:p="http://schemas.openxmlformats.org/presentationml/2006/main">
+  <p:cSld>
+    <p:spTree>
+      <p:nvGrpSpPr>
+        <p:cNvPr id="1" name=""/>
+        <p:cNvGrpSpPr/>
+        <p:nvPr/>
+      </p:nvGrpSpPr>
+      <p:grpSpPr>
+        <a:xfrm>
+          <a:off x="0" y="0"/>
+          <a:ext cx="0" cy="0"/>
+          <a:chOff x="0" y="0"/>
+          <a:chExt cx="0" cy="0"/>
+        </a:xfrm>
+      </p:grpSpPr>
+      <p:sp>
+        <p:nvSpPr>
+          <p:cNvPr id="2" name="Título 1"/>
+          <p:cNvSpPr>
+            <a:spLocks noGrp="1"/>
+          </p:cNvSpPr>
+          <p:nvPr>
+            <p:ph type="title"/>
+          </p:nvPr>
+        </p:nvSpPr>
+        <p:spPr/>
+        <p:txBody>
+          <a:bodyPr/>
+          <a:lstStyle/>
+          <a:p>
+            <a:r>
+              <a:rPr lang="es-ES" dirty="0"/>
+              <a:t>Credenciales </a:t>
+            </a:r>
+            <a:r>
+              <a:rPr lang="es-ES" dirty="0" err="1"/>
+              <a:t>WiFi</a:t>
+            </a:r>
+            <a:endParaRPr lang="en-GB" dirty="0"/>
+          </a:p>
+        </p:txBody>
+      </p:sp>
+      <p:sp>
+        <p:nvSpPr>
+          <p:cNvPr id="3" name="Marcador de contenido 2"/>
+          <p:cNvSpPr>
+            <a:spLocks noGrp="1"/>
+          </p:cNvSpPr>
+          <p:nvPr>
+            <p:ph idx="1"/>
+          </p:nvPr>
+        </p:nvSpPr>
+        <p:spPr>
+          <a:xfrm>
+            <a:off x="1130270" y="2534626"/>
+            <a:ext cx="9603275" cy="3294576"/>
+          </a:xfrm>
+        </p:spPr>
+        <p:txBody>
+          <a:bodyPr>
+            <a:normAutofit/>
+          </a:bodyPr>
+          <a:lstStyle/>
+          <a:p>
+            <a:r>
+              <a:rPr lang="es-ES" sz="3600" b="1" dirty="0"/>
+              <a:t>SSID: </a:t>
+            </a:r>
+            <a:r>
+              <a:rPr lang="es-ES" sz="3600" dirty="0" err="1"/>
+              <a:t>TechFest</a:t>
+            </a:r>
+            <a:endParaRPr lang="es-ES" sz="3600" dirty="0"/>
+          </a:p>
+          <a:p>
+            <a:r>
+              <a:rPr lang="es-ES" sz="3600" b="1" dirty="0"/>
+              <a:t>PASS: </a:t>
+            </a:r>
+            <a:r>
+              <a:rPr lang="es-ES" sz="3600" dirty="0"/>
+              <a:t>techfest2017</a:t>
+            </a:r>
+            <a:endParaRPr lang="en-GB" sz="3600" dirty="0"/>
+          </a:p>
+        </p:txBody>
+      </p:sp>
+      <p:pic>
+        <p:nvPicPr>
+          <p:cNvPr id="4098" name="Picture 2" descr="Resultado de imagen de wifi"/>
+          <p:cNvPicPr>
+            <a:picLocks noChangeAspect="1" noChangeArrowheads="1"/>
+          </p:cNvPicPr>
+          <p:nvPr/>
+        </p:nvPicPr>
+        <p:blipFill>
+          <a:blip r:embed="rId2">
+            <a:extLst>
+              <a:ext uri="{28A0092B-C50C-407E-A947-70E740481C1C}">
+                <a14:useLocalDpi xmlns:a14="http://schemas.microsoft.com/office/drawing/2010/main" val="0"/>
+              </a:ext>
+            </a:extLst>
+          </a:blip>
+          <a:srcRect/>
+          <a:stretch>
+            <a:fillRect/>
+          </a:stretch>
+        </p:blipFill>
+        <p:spPr bwMode="auto">
+          <a:xfrm>
+            <a:off x="6291282" y="1364342"/>
+            <a:ext cx="4591484" cy="3795486"/>
+          </a:xfrm>
+          <a:prstGeom prst="rect">
+            <a:avLst/>
+          </a:prstGeom>
+          <a:noFill/>
+          <a:extLst>
+            <a:ext uri="{909E8E84-426E-40DD-AFC4-6F175D3DCCD1}">
+              <a14:hiddenFill xmlns:a14="http://schemas.microsoft.com/office/drawing/2010/main">
+                <a:solidFill>
+                  <a:srgbClr val="FFFFFF"/>
+                </a:solidFill>
+              </a14:hiddenFill>
+            </a:ext>
+          </a:extLst>
+        </p:spPr>
+      </p:pic>
+    </p:spTree>
+    <p:extLst>
+      <p:ext uri="{BB962C8B-B14F-4D97-AF65-F5344CB8AC3E}">
+        <p14:creationId xmlns:p14="http://schemas.microsoft.com/office/powerpoint/2010/main" val="4058822482"/>
       </p:ext>
     </p:extLst>
   </p:cSld>
@@ -3848,7 +5917,230 @@
           <a:bodyPr/>
           <a:lstStyle/>
           <a:p>
-            <a:endParaRPr lang="en-GB"/>
+            <a:r>
+              <a:rPr lang="es-ES"/>
+              <a:t>¿Quién somos?</a:t>
+            </a:r>
+            <a:endParaRPr lang="en-GB" dirty="0"/>
+          </a:p>
+        </p:txBody>
+      </p:sp>
+      <p:pic>
+        <p:nvPicPr>
+          <p:cNvPr id="4" name="Marcador de contenido 3"/>
+          <p:cNvPicPr>
+            <a:picLocks noGrp="1" noChangeAspect="1"/>
+          </p:cNvPicPr>
+          <p:nvPr>
+            <p:ph idx="1"/>
+          </p:nvPr>
+        </p:nvPicPr>
+        <p:blipFill>
+          <a:blip r:embed="rId2"/>
+          <a:stretch>
+            <a:fillRect/>
+          </a:stretch>
+        </p:blipFill>
+        <p:spPr>
+          <a:xfrm>
+            <a:off x="6066932" y="545551"/>
+            <a:ext cx="5462586" cy="5462586"/>
+          </a:xfrm>
+          <a:prstGeom prst="rect">
+            <a:avLst/>
+          </a:prstGeom>
+        </p:spPr>
+      </p:pic>
+      <p:sp>
+        <p:nvSpPr>
+          <p:cNvPr id="7" name="CuadroTexto 6"/>
+          <p:cNvSpPr txBox="1"/>
+          <p:nvPr/>
+        </p:nvSpPr>
+        <p:spPr>
+          <a:xfrm>
+            <a:off x="859085" y="2199503"/>
+            <a:ext cx="5072822" cy="2585323"/>
+          </a:xfrm>
+          <a:prstGeom prst="rect">
+            <a:avLst/>
+          </a:prstGeom>
+          <a:noFill/>
+        </p:spPr>
+        <p:txBody>
+          <a:bodyPr wrap="square" rtlCol="0">
+            <a:spAutoFit/>
+          </a:bodyPr>
+          <a:lstStyle/>
+          <a:p>
+            <a:pPr marL="285750" indent="-285750">
+              <a:buFont typeface="Arial" panose="020B0604020202020204" pitchFamily="34" charset="0"/>
+              <a:buChar char="•"/>
+            </a:pPr>
+            <a:r>
+              <a:rPr lang="es-ES" dirty="0"/>
+              <a:t>Comunidad de estudiantes</a:t>
+            </a:r>
+          </a:p>
+          <a:p>
+            <a:pPr marL="285750" indent="-285750">
+              <a:buFont typeface="Arial" panose="020B0604020202020204" pitchFamily="34" charset="0"/>
+              <a:buChar char="•"/>
+            </a:pPr>
+            <a:r>
+              <a:rPr lang="es-ES" dirty="0"/>
+              <a:t>DIY, </a:t>
+            </a:r>
+            <a:r>
+              <a:rPr lang="es-ES" dirty="0" err="1"/>
+              <a:t>Learning</a:t>
+            </a:r>
+            <a:r>
+              <a:rPr lang="es-ES" dirty="0"/>
+              <a:t> </a:t>
+            </a:r>
+            <a:r>
+              <a:rPr lang="es-ES" dirty="0" err="1"/>
+              <a:t>by</a:t>
+            </a:r>
+            <a:r>
+              <a:rPr lang="es-ES" dirty="0"/>
+              <a:t> </a:t>
+            </a:r>
+            <a:r>
+              <a:rPr lang="es-ES" dirty="0" err="1"/>
+              <a:t>Doing</a:t>
+            </a:r>
+            <a:endParaRPr lang="es-ES" dirty="0"/>
+          </a:p>
+          <a:p>
+            <a:pPr marL="285750" indent="-285750">
+              <a:buFont typeface="Arial" panose="020B0604020202020204" pitchFamily="34" charset="0"/>
+              <a:buChar char="•"/>
+            </a:pPr>
+            <a:r>
+              <a:rPr lang="es-ES" dirty="0"/>
+              <a:t>+ 2000 </a:t>
+            </a:r>
+            <a:r>
+              <a:rPr lang="es-ES" dirty="0" err="1"/>
+              <a:t>Makers</a:t>
+            </a:r>
+            <a:endParaRPr lang="es-ES" dirty="0"/>
+          </a:p>
+          <a:p>
+            <a:pPr marL="285750" indent="-285750">
+              <a:buFont typeface="Arial" panose="020B0604020202020204" pitchFamily="34" charset="0"/>
+              <a:buChar char="•"/>
+            </a:pPr>
+            <a:r>
+              <a:rPr lang="es-ES" dirty="0"/>
+              <a:t>+200 Asociados</a:t>
+            </a:r>
+          </a:p>
+          <a:p>
+            <a:pPr marL="285750" indent="-285750">
+              <a:buFont typeface="Arial" panose="020B0604020202020204" pitchFamily="34" charset="0"/>
+              <a:buChar char="•"/>
+            </a:pPr>
+            <a:r>
+              <a:rPr lang="es-ES" dirty="0"/>
+              <a:t>Proyectos</a:t>
+            </a:r>
+          </a:p>
+          <a:p>
+            <a:pPr marL="285750" indent="-285750">
+              <a:buFont typeface="Arial" panose="020B0604020202020204" pitchFamily="34" charset="0"/>
+              <a:buChar char="•"/>
+            </a:pPr>
+            <a:r>
+              <a:rPr lang="es-ES" dirty="0"/>
+              <a:t>Talleres prácticos</a:t>
+            </a:r>
+          </a:p>
+          <a:p>
+            <a:pPr marL="285750" indent="-285750">
+              <a:buFont typeface="Arial" panose="020B0604020202020204" pitchFamily="34" charset="0"/>
+              <a:buChar char="•"/>
+            </a:pPr>
+            <a:r>
+              <a:rPr lang="es-ES" dirty="0"/>
+              <a:t>Organización de eventos: ORC, FCVLC…</a:t>
+            </a:r>
+          </a:p>
+          <a:p>
+            <a:pPr marL="285750" indent="-285750">
+              <a:buFont typeface="Arial" panose="020B0604020202020204" pitchFamily="34" charset="0"/>
+              <a:buChar char="•"/>
+            </a:pPr>
+            <a:r>
+              <a:rPr lang="es-ES" dirty="0"/>
+              <a:t>Salir de las aulas</a:t>
+            </a:r>
+          </a:p>
+          <a:p>
+            <a:pPr marL="285750" indent="-285750">
+              <a:buFont typeface="Arial" panose="020B0604020202020204" pitchFamily="34" charset="0"/>
+              <a:buChar char="•"/>
+            </a:pPr>
+            <a:endParaRPr lang="en-GB" dirty="0"/>
+          </a:p>
+        </p:txBody>
+      </p:sp>
+    </p:spTree>
+    <p:extLst>
+      <p:ext uri="{BB962C8B-B14F-4D97-AF65-F5344CB8AC3E}">
+        <p14:creationId xmlns:p14="http://schemas.microsoft.com/office/powerpoint/2010/main" val="2432655005"/>
+      </p:ext>
+    </p:extLst>
+  </p:cSld>
+  <p:clrMapOvr>
+    <a:masterClrMapping/>
+  </p:clrMapOvr>
+</p:sld>
+</file>
+
+<file path=ppt/slides/slide20.xml><?xml version="1.0" encoding="utf-8"?>
+<p:sld xmlns:a="http://schemas.openxmlformats.org/drawingml/2006/main" xmlns:r="http://schemas.openxmlformats.org/officeDocument/2006/relationships" xmlns:p="http://schemas.openxmlformats.org/presentationml/2006/main">
+  <p:cSld>
+    <p:spTree>
+      <p:nvGrpSpPr>
+        <p:cNvPr id="1" name=""/>
+        <p:cNvGrpSpPr/>
+        <p:nvPr/>
+      </p:nvGrpSpPr>
+      <p:grpSpPr>
+        <a:xfrm>
+          <a:off x="0" y="0"/>
+          <a:ext cx="0" cy="0"/>
+          <a:chOff x="0" y="0"/>
+          <a:chExt cx="0" cy="0"/>
+        </a:xfrm>
+      </p:grpSpPr>
+      <p:sp>
+        <p:nvSpPr>
+          <p:cNvPr id="2" name="Título 1"/>
+          <p:cNvSpPr>
+            <a:spLocks noGrp="1"/>
+          </p:cNvSpPr>
+          <p:nvPr>
+            <p:ph type="title"/>
+          </p:nvPr>
+        </p:nvSpPr>
+        <p:spPr/>
+        <p:txBody>
+          <a:bodyPr/>
+          <a:lstStyle/>
+          <a:p>
+            <a:r>
+              <a:rPr lang="es-ES" dirty="0"/>
+              <a:t>Control de un LED por </a:t>
+            </a:r>
+            <a:r>
+              <a:rPr lang="es-ES" dirty="0" err="1"/>
+              <a:t>WiFi</a:t>
+            </a:r>
+            <a:endParaRPr lang="en-GB" dirty="0"/>
           </a:p>
         </p:txBody>
       </p:sp>
@@ -3867,6 +6159,1439 @@
           <a:bodyPr/>
           <a:lstStyle/>
           <a:p>
+            <a:r>
+              <a:rPr lang="es-ES" dirty="0"/>
+              <a:t> Haremos que el </a:t>
+            </a:r>
+            <a:r>
+              <a:rPr lang="es-ES" dirty="0" err="1"/>
+              <a:t>NodeMCU</a:t>
+            </a:r>
+            <a:r>
+              <a:rPr lang="es-ES" dirty="0"/>
+              <a:t> se convierta en un pequeño servidor web listo para atender a peticiones HTTP de clientes que se conecten a el. </a:t>
+            </a:r>
+          </a:p>
+          <a:p>
+            <a:endParaRPr lang="es-ES" dirty="0"/>
+          </a:p>
+          <a:p>
+            <a:r>
+              <a:rPr lang="en-GB" dirty="0" err="1"/>
+              <a:t>Código</a:t>
+            </a:r>
+            <a:r>
+              <a:rPr lang="en-GB" dirty="0"/>
+              <a:t> </a:t>
+            </a:r>
+            <a:r>
+              <a:rPr lang="en-GB" dirty="0" err="1"/>
+              <a:t>disponible</a:t>
+            </a:r>
+            <a:r>
+              <a:rPr lang="en-GB" dirty="0"/>
+              <a:t> </a:t>
+            </a:r>
+            <a:r>
+              <a:rPr lang="en-GB" dirty="0" err="1"/>
+              <a:t>en</a:t>
+            </a:r>
+            <a:r>
+              <a:rPr lang="en-GB" dirty="0"/>
+              <a:t>: </a:t>
+            </a:r>
+            <a:r>
+              <a:rPr lang="en-GB" dirty="0">
+                <a:hlinkClick r:id="rId2"/>
+              </a:rPr>
+              <a:t>https://github.com/jaimelaborda/Planta-Twittera/tree/master/ejemplos/esp8266_led_server</a:t>
+            </a:r>
+            <a:endParaRPr lang="en-GB" dirty="0"/>
+          </a:p>
+        </p:txBody>
+      </p:sp>
+      <p:pic>
+        <p:nvPicPr>
+          <p:cNvPr id="4" name="Imagen 3"/>
+          <p:cNvPicPr>
+            <a:picLocks noChangeAspect="1"/>
+          </p:cNvPicPr>
+          <p:nvPr/>
+        </p:nvPicPr>
+        <p:blipFill>
+          <a:blip r:embed="rId3"/>
+          <a:stretch>
+            <a:fillRect/>
+          </a:stretch>
+        </p:blipFill>
+        <p:spPr>
+          <a:xfrm>
+            <a:off x="1942647" y="4485594"/>
+            <a:ext cx="3371850" cy="1457325"/>
+          </a:xfrm>
+          <a:prstGeom prst="rect">
+            <a:avLst/>
+          </a:prstGeom>
+        </p:spPr>
+      </p:pic>
+    </p:spTree>
+    <p:extLst>
+      <p:ext uri="{BB962C8B-B14F-4D97-AF65-F5344CB8AC3E}">
+        <p14:creationId xmlns:p14="http://schemas.microsoft.com/office/powerpoint/2010/main" val="4278800390"/>
+      </p:ext>
+    </p:extLst>
+  </p:cSld>
+  <p:clrMapOvr>
+    <a:masterClrMapping/>
+  </p:clrMapOvr>
+</p:sld>
+</file>
+
+<file path=ppt/slides/slide21.xml><?xml version="1.0" encoding="utf-8"?>
+<p:sld xmlns:a="http://schemas.openxmlformats.org/drawingml/2006/main" xmlns:r="http://schemas.openxmlformats.org/officeDocument/2006/relationships" xmlns:p="http://schemas.openxmlformats.org/presentationml/2006/main">
+  <p:cSld>
+    <p:spTree>
+      <p:nvGrpSpPr>
+        <p:cNvPr id="1" name=""/>
+        <p:cNvGrpSpPr/>
+        <p:nvPr/>
+      </p:nvGrpSpPr>
+      <p:grpSpPr>
+        <a:xfrm>
+          <a:off x="0" y="0"/>
+          <a:ext cx="0" cy="0"/>
+          <a:chOff x="0" y="0"/>
+          <a:chExt cx="0" cy="0"/>
+        </a:xfrm>
+      </p:grpSpPr>
+      <p:sp>
+        <p:nvSpPr>
+          <p:cNvPr id="2" name="Título 1"/>
+          <p:cNvSpPr>
+            <a:spLocks noGrp="1"/>
+          </p:cNvSpPr>
+          <p:nvPr>
+            <p:ph type="title"/>
+          </p:nvPr>
+        </p:nvSpPr>
+        <p:spPr/>
+        <p:txBody>
+          <a:bodyPr/>
+          <a:lstStyle/>
+          <a:p>
+            <a:r>
+              <a:rPr lang="es-ES" dirty="0"/>
+              <a:t>Ejercicio 2</a:t>
+            </a:r>
+            <a:endParaRPr lang="en-GB" dirty="0"/>
+          </a:p>
+        </p:txBody>
+      </p:sp>
+      <p:sp>
+        <p:nvSpPr>
+          <p:cNvPr id="3" name="Marcador de contenido 2"/>
+          <p:cNvSpPr>
+            <a:spLocks noGrp="1"/>
+          </p:cNvSpPr>
+          <p:nvPr>
+            <p:ph idx="1"/>
+          </p:nvPr>
+        </p:nvSpPr>
+        <p:spPr/>
+        <p:txBody>
+          <a:bodyPr/>
+          <a:lstStyle/>
+          <a:p>
+            <a:r>
+              <a:rPr lang="es-ES" b="1" dirty="0"/>
+              <a:t>Ejercicio 1: </a:t>
+            </a:r>
+            <a:r>
+              <a:rPr lang="es-ES" dirty="0"/>
+              <a:t>Se propone como ejercicio modificar el código para que funcione de manera correcta, es decir, de manera lógica.</a:t>
+            </a:r>
+          </a:p>
+          <a:p>
+            <a:r>
+              <a:rPr lang="es-ES" b="1" dirty="0"/>
+              <a:t>Ejercicio 2: </a:t>
+            </a:r>
+            <a:r>
+              <a:rPr lang="es-ES" dirty="0"/>
+              <a:t>Conecta un LED externo con una resistencia de 160-330 </a:t>
+            </a:r>
+            <a:r>
+              <a:rPr lang="es-ES" dirty="0" err="1"/>
+              <a:t>Ohms</a:t>
+            </a:r>
+            <a:r>
+              <a:rPr lang="es-ES" dirty="0"/>
+              <a:t> a otro pin y modifica el código para encender/apagar desde el navegador dicho LED.</a:t>
+            </a:r>
+          </a:p>
+          <a:p>
+            <a:r>
+              <a:rPr lang="es-ES" b="1" dirty="0"/>
+              <a:t>Ejercicio 3: </a:t>
+            </a:r>
+            <a:r>
+              <a:rPr lang="es-ES" dirty="0"/>
+              <a:t>Añade 2 </a:t>
+            </a:r>
+            <a:r>
+              <a:rPr lang="es-ES" dirty="0" err="1"/>
+              <a:t>LEDs</a:t>
+            </a:r>
+            <a:r>
+              <a:rPr lang="es-ES" dirty="0"/>
+              <a:t> y modifica el código para que el servidor muestre al usuario 4 botones y poder encender/apagar independientemente uno u otro.</a:t>
+            </a:r>
+          </a:p>
+          <a:p>
+            <a:endParaRPr lang="en-GB" dirty="0"/>
+          </a:p>
+        </p:txBody>
+      </p:sp>
+    </p:spTree>
+    <p:extLst>
+      <p:ext uri="{BB962C8B-B14F-4D97-AF65-F5344CB8AC3E}">
+        <p14:creationId xmlns:p14="http://schemas.microsoft.com/office/powerpoint/2010/main" val="4072741802"/>
+      </p:ext>
+    </p:extLst>
+  </p:cSld>
+  <p:clrMapOvr>
+    <a:masterClrMapping/>
+  </p:clrMapOvr>
+</p:sld>
+</file>
+
+<file path=ppt/slides/slide22.xml><?xml version="1.0" encoding="utf-8"?>
+<p:sld xmlns:a="http://schemas.openxmlformats.org/drawingml/2006/main" xmlns:r="http://schemas.openxmlformats.org/officeDocument/2006/relationships" xmlns:p="http://schemas.openxmlformats.org/presentationml/2006/main">
+  <p:cSld>
+    <p:spTree>
+      <p:nvGrpSpPr>
+        <p:cNvPr id="1" name=""/>
+        <p:cNvGrpSpPr/>
+        <p:nvPr/>
+      </p:nvGrpSpPr>
+      <p:grpSpPr>
+        <a:xfrm>
+          <a:off x="0" y="0"/>
+          <a:ext cx="0" cy="0"/>
+          <a:chOff x="0" y="0"/>
+          <a:chExt cx="0" cy="0"/>
+        </a:xfrm>
+      </p:grpSpPr>
+      <p:sp>
+        <p:nvSpPr>
+          <p:cNvPr id="2" name="Título 1"/>
+          <p:cNvSpPr>
+            <a:spLocks noGrp="1"/>
+          </p:cNvSpPr>
+          <p:nvPr>
+            <p:ph type="title"/>
+          </p:nvPr>
+        </p:nvSpPr>
+        <p:spPr>
+          <a:xfrm>
+            <a:off x="854499" y="2377936"/>
+            <a:ext cx="9603275" cy="1049235"/>
+          </a:xfrm>
+        </p:spPr>
+        <p:txBody>
+          <a:bodyPr>
+            <a:normAutofit/>
+          </a:bodyPr>
+          <a:lstStyle/>
+          <a:p>
+            <a:r>
+              <a:rPr lang="es-ES" sz="6600" dirty="0" err="1"/>
+              <a:t>ThingSpeak</a:t>
+            </a:r>
+            <a:endParaRPr lang="en-GB" sz="6600" dirty="0"/>
+          </a:p>
+        </p:txBody>
+      </p:sp>
+      <p:pic>
+        <p:nvPicPr>
+          <p:cNvPr id="7170" name="Picture 2" descr="Resultado de imagen de thingspeak"/>
+          <p:cNvPicPr>
+            <a:picLocks noChangeAspect="1" noChangeArrowheads="1"/>
+          </p:cNvPicPr>
+          <p:nvPr/>
+        </p:nvPicPr>
+        <p:blipFill>
+          <a:blip r:embed="rId2">
+            <a:extLst>
+              <a:ext uri="{28A0092B-C50C-407E-A947-70E740481C1C}">
+                <a14:useLocalDpi xmlns:a14="http://schemas.microsoft.com/office/drawing/2010/main" val="0"/>
+              </a:ext>
+            </a:extLst>
+          </a:blip>
+          <a:srcRect/>
+          <a:stretch>
+            <a:fillRect/>
+          </a:stretch>
+        </p:blipFill>
+        <p:spPr bwMode="auto">
+          <a:xfrm>
+            <a:off x="6681107" y="4360182"/>
+            <a:ext cx="4229100" cy="895350"/>
+          </a:xfrm>
+          <a:prstGeom prst="rect">
+            <a:avLst/>
+          </a:prstGeom>
+          <a:noFill/>
+          <a:extLst>
+            <a:ext uri="{909E8E84-426E-40DD-AFC4-6F175D3DCCD1}">
+              <a14:hiddenFill xmlns:a14="http://schemas.microsoft.com/office/drawing/2010/main">
+                <a:solidFill>
+                  <a:srgbClr val="FFFFFF"/>
+                </a:solidFill>
+              </a14:hiddenFill>
+            </a:ext>
+          </a:extLst>
+        </p:spPr>
+      </p:pic>
+    </p:spTree>
+    <p:extLst>
+      <p:ext uri="{BB962C8B-B14F-4D97-AF65-F5344CB8AC3E}">
+        <p14:creationId xmlns:p14="http://schemas.microsoft.com/office/powerpoint/2010/main" val="3870722678"/>
+      </p:ext>
+    </p:extLst>
+  </p:cSld>
+  <p:clrMapOvr>
+    <a:masterClrMapping/>
+  </p:clrMapOvr>
+</p:sld>
+</file>
+
+<file path=ppt/slides/slide23.xml><?xml version="1.0" encoding="utf-8"?>
+<p:sld xmlns:a="http://schemas.openxmlformats.org/drawingml/2006/main" xmlns:r="http://schemas.openxmlformats.org/officeDocument/2006/relationships" xmlns:p="http://schemas.openxmlformats.org/presentationml/2006/main">
+  <p:cSld>
+    <p:spTree>
+      <p:nvGrpSpPr>
+        <p:cNvPr id="1" name=""/>
+        <p:cNvGrpSpPr/>
+        <p:nvPr/>
+      </p:nvGrpSpPr>
+      <p:grpSpPr>
+        <a:xfrm>
+          <a:off x="0" y="0"/>
+          <a:ext cx="0" cy="0"/>
+          <a:chOff x="0" y="0"/>
+          <a:chExt cx="0" cy="0"/>
+        </a:xfrm>
+      </p:grpSpPr>
+      <p:sp>
+        <p:nvSpPr>
+          <p:cNvPr id="2" name="Título 1"/>
+          <p:cNvSpPr>
+            <a:spLocks noGrp="1"/>
+          </p:cNvSpPr>
+          <p:nvPr>
+            <p:ph type="title"/>
+          </p:nvPr>
+        </p:nvSpPr>
+        <p:spPr/>
+        <p:txBody>
+          <a:bodyPr/>
+          <a:lstStyle/>
+          <a:p>
+            <a:r>
+              <a:rPr lang="es-ES" dirty="0"/>
+              <a:t>¿Qué es?</a:t>
+            </a:r>
+            <a:endParaRPr lang="en-GB" dirty="0"/>
+          </a:p>
+        </p:txBody>
+      </p:sp>
+      <p:sp>
+        <p:nvSpPr>
+          <p:cNvPr id="3" name="Marcador de contenido 2"/>
+          <p:cNvSpPr>
+            <a:spLocks noGrp="1"/>
+          </p:cNvSpPr>
+          <p:nvPr>
+            <p:ph idx="1"/>
+          </p:nvPr>
+        </p:nvSpPr>
+        <p:spPr>
+          <a:xfrm>
+            <a:off x="1130271" y="2171769"/>
+            <a:ext cx="6537130" cy="3294576"/>
+          </a:xfrm>
+        </p:spPr>
+        <p:txBody>
+          <a:bodyPr/>
+          <a:lstStyle/>
+          <a:p>
+            <a:r>
+              <a:rPr lang="es-ES" dirty="0"/>
+              <a:t>Conjunto de servidor web, más una base de datos y una API que nos permite almacenar y transmitir datos usando el protocolo HTTP</a:t>
+            </a:r>
+          </a:p>
+          <a:p>
+            <a:r>
+              <a:rPr lang="es-ES" dirty="0"/>
+              <a:t>Sencillez: nos permite desarrollar una aplicación visual para mostrar nuestros datos en pocos minutos y así centrarnos en la parte Hardware.</a:t>
+            </a:r>
+            <a:endParaRPr lang="en-GB" dirty="0"/>
+          </a:p>
+        </p:txBody>
+      </p:sp>
+      <p:pic>
+        <p:nvPicPr>
+          <p:cNvPr id="8194" name="Picture 2" descr="Resultado de imagen de thingspeak"/>
+          <p:cNvPicPr>
+            <a:picLocks noChangeAspect="1" noChangeArrowheads="1"/>
+          </p:cNvPicPr>
+          <p:nvPr/>
+        </p:nvPicPr>
+        <p:blipFill>
+          <a:blip r:embed="rId2">
+            <a:extLst>
+              <a:ext uri="{28A0092B-C50C-407E-A947-70E740481C1C}">
+                <a14:useLocalDpi xmlns:a14="http://schemas.microsoft.com/office/drawing/2010/main" val="0"/>
+              </a:ext>
+            </a:extLst>
+          </a:blip>
+          <a:srcRect/>
+          <a:stretch>
+            <a:fillRect/>
+          </a:stretch>
+        </p:blipFill>
+        <p:spPr bwMode="auto">
+          <a:xfrm>
+            <a:off x="7449685" y="2171769"/>
+            <a:ext cx="4055577" cy="2603431"/>
+          </a:xfrm>
+          <a:prstGeom prst="rect">
+            <a:avLst/>
+          </a:prstGeom>
+          <a:noFill/>
+          <a:extLst>
+            <a:ext uri="{909E8E84-426E-40DD-AFC4-6F175D3DCCD1}">
+              <a14:hiddenFill xmlns:a14="http://schemas.microsoft.com/office/drawing/2010/main">
+                <a:solidFill>
+                  <a:srgbClr val="FFFFFF"/>
+                </a:solidFill>
+              </a14:hiddenFill>
+            </a:ext>
+          </a:extLst>
+        </p:spPr>
+      </p:pic>
+    </p:spTree>
+    <p:extLst>
+      <p:ext uri="{BB962C8B-B14F-4D97-AF65-F5344CB8AC3E}">
+        <p14:creationId xmlns:p14="http://schemas.microsoft.com/office/powerpoint/2010/main" val="1799069611"/>
+      </p:ext>
+    </p:extLst>
+  </p:cSld>
+  <p:clrMapOvr>
+    <a:masterClrMapping/>
+  </p:clrMapOvr>
+</p:sld>
+</file>
+
+<file path=ppt/slides/slide24.xml><?xml version="1.0" encoding="utf-8"?>
+<p:sld xmlns:a="http://schemas.openxmlformats.org/drawingml/2006/main" xmlns:r="http://schemas.openxmlformats.org/officeDocument/2006/relationships" xmlns:p="http://schemas.openxmlformats.org/presentationml/2006/main">
+  <p:cSld>
+    <p:spTree>
+      <p:nvGrpSpPr>
+        <p:cNvPr id="1" name=""/>
+        <p:cNvGrpSpPr/>
+        <p:nvPr/>
+      </p:nvGrpSpPr>
+      <p:grpSpPr>
+        <a:xfrm>
+          <a:off x="0" y="0"/>
+          <a:ext cx="0" cy="0"/>
+          <a:chOff x="0" y="0"/>
+          <a:chExt cx="0" cy="0"/>
+        </a:xfrm>
+      </p:grpSpPr>
+      <p:sp>
+        <p:nvSpPr>
+          <p:cNvPr id="2" name="Título 1"/>
+          <p:cNvSpPr>
+            <a:spLocks noGrp="1"/>
+          </p:cNvSpPr>
+          <p:nvPr>
+            <p:ph type="title"/>
+          </p:nvPr>
+        </p:nvSpPr>
+        <p:spPr/>
+        <p:txBody>
+          <a:bodyPr/>
+          <a:lstStyle/>
+          <a:p>
+            <a:r>
+              <a:rPr lang="es-ES" dirty="0"/>
+              <a:t>Creación de una cuenta</a:t>
+            </a:r>
+            <a:endParaRPr lang="en-GB" dirty="0"/>
+          </a:p>
+        </p:txBody>
+      </p:sp>
+      <p:sp>
+        <p:nvSpPr>
+          <p:cNvPr id="3" name="Marcador de contenido 2"/>
+          <p:cNvSpPr>
+            <a:spLocks noGrp="1"/>
+          </p:cNvSpPr>
+          <p:nvPr>
+            <p:ph idx="1"/>
+          </p:nvPr>
+        </p:nvSpPr>
+        <p:spPr/>
+        <p:txBody>
+          <a:bodyPr/>
+          <a:lstStyle/>
+          <a:p>
+            <a:r>
+              <a:rPr lang="es-ES" dirty="0"/>
+              <a:t>Creamos una cuenta</a:t>
+            </a:r>
+          </a:p>
+          <a:p>
+            <a:r>
+              <a:rPr lang="es-ES" dirty="0"/>
+              <a:t>Creamos un canal</a:t>
+            </a:r>
+          </a:p>
+          <a:p>
+            <a:r>
+              <a:rPr lang="es-ES" dirty="0"/>
+              <a:t>Obtenemos la API Key</a:t>
+            </a:r>
+            <a:endParaRPr lang="en-GB" dirty="0"/>
+          </a:p>
+        </p:txBody>
+      </p:sp>
+    </p:spTree>
+    <p:extLst>
+      <p:ext uri="{BB962C8B-B14F-4D97-AF65-F5344CB8AC3E}">
+        <p14:creationId xmlns:p14="http://schemas.microsoft.com/office/powerpoint/2010/main" val="3242397712"/>
+      </p:ext>
+    </p:extLst>
+  </p:cSld>
+  <p:clrMapOvr>
+    <a:masterClrMapping/>
+  </p:clrMapOvr>
+</p:sld>
+</file>
+
+<file path=ppt/slides/slide25.xml><?xml version="1.0" encoding="utf-8"?>
+<p:sld xmlns:a="http://schemas.openxmlformats.org/drawingml/2006/main" xmlns:r="http://schemas.openxmlformats.org/officeDocument/2006/relationships" xmlns:p="http://schemas.openxmlformats.org/presentationml/2006/main">
+  <p:cSld>
+    <p:spTree>
+      <p:nvGrpSpPr>
+        <p:cNvPr id="1" name=""/>
+        <p:cNvGrpSpPr/>
+        <p:nvPr/>
+      </p:nvGrpSpPr>
+      <p:grpSpPr>
+        <a:xfrm>
+          <a:off x="0" y="0"/>
+          <a:ext cx="0" cy="0"/>
+          <a:chOff x="0" y="0"/>
+          <a:chExt cx="0" cy="0"/>
+        </a:xfrm>
+      </p:grpSpPr>
+      <p:sp>
+        <p:nvSpPr>
+          <p:cNvPr id="2" name="Título 1"/>
+          <p:cNvSpPr>
+            <a:spLocks noGrp="1"/>
+          </p:cNvSpPr>
+          <p:nvPr>
+            <p:ph type="title"/>
+          </p:nvPr>
+        </p:nvSpPr>
+        <p:spPr/>
+        <p:txBody>
+          <a:bodyPr/>
+          <a:lstStyle/>
+          <a:p>
+            <a:r>
+              <a:rPr lang="es-ES" dirty="0"/>
+              <a:t>¿Qué es una API?</a:t>
+            </a:r>
+            <a:endParaRPr lang="en-GB" dirty="0"/>
+          </a:p>
+        </p:txBody>
+      </p:sp>
+      <p:sp>
+        <p:nvSpPr>
+          <p:cNvPr id="3" name="Marcador de contenido 2"/>
+          <p:cNvSpPr>
+            <a:spLocks noGrp="1"/>
+          </p:cNvSpPr>
+          <p:nvPr>
+            <p:ph idx="1"/>
+          </p:nvPr>
+        </p:nvSpPr>
+        <p:spPr/>
+        <p:txBody>
+          <a:bodyPr>
+            <a:normAutofit fontScale="92500"/>
+          </a:bodyPr>
+          <a:lstStyle/>
+          <a:p>
+            <a:pPr marL="0" indent="0">
+              <a:buNone/>
+            </a:pPr>
+            <a:r>
+              <a:rPr lang="en-GB" dirty="0"/>
+              <a:t>Conjunto de </a:t>
+            </a:r>
+            <a:r>
+              <a:rPr lang="en-GB" dirty="0" err="1"/>
+              <a:t>comandos</a:t>
+            </a:r>
+            <a:r>
+              <a:rPr lang="en-GB" dirty="0"/>
+              <a:t>, </a:t>
+            </a:r>
+            <a:r>
+              <a:rPr lang="en-GB" dirty="0" err="1"/>
+              <a:t>funciones</a:t>
+            </a:r>
+            <a:r>
+              <a:rPr lang="en-GB" dirty="0"/>
+              <a:t> y </a:t>
+            </a:r>
+            <a:r>
+              <a:rPr lang="en-GB" dirty="0" err="1"/>
+              <a:t>protocolos</a:t>
+            </a:r>
+            <a:r>
+              <a:rPr lang="en-GB" dirty="0"/>
+              <a:t> </a:t>
+            </a:r>
+            <a:r>
+              <a:rPr lang="en-GB" dirty="0" err="1"/>
+              <a:t>informáticos</a:t>
+            </a:r>
+            <a:r>
+              <a:rPr lang="en-GB" dirty="0"/>
+              <a:t> que </a:t>
+            </a:r>
+            <a:r>
+              <a:rPr lang="en-GB" dirty="0" err="1"/>
+              <a:t>permiten</a:t>
+            </a:r>
+            <a:r>
+              <a:rPr lang="en-GB" dirty="0"/>
+              <a:t> a </a:t>
+            </a:r>
+            <a:r>
+              <a:rPr lang="en-GB" dirty="0" err="1"/>
+              <a:t>los</a:t>
+            </a:r>
+            <a:r>
+              <a:rPr lang="en-GB" dirty="0"/>
+              <a:t> </a:t>
+            </a:r>
+            <a:r>
+              <a:rPr lang="en-GB" dirty="0" err="1"/>
+              <a:t>desarrolladores</a:t>
+            </a:r>
+            <a:r>
+              <a:rPr lang="en-GB" dirty="0"/>
+              <a:t> </a:t>
+            </a:r>
+            <a:r>
+              <a:rPr lang="en-GB" dirty="0" err="1"/>
+              <a:t>crear</a:t>
+            </a:r>
+            <a:r>
+              <a:rPr lang="en-GB" dirty="0"/>
+              <a:t> </a:t>
+            </a:r>
+            <a:r>
+              <a:rPr lang="en-GB" dirty="0" err="1"/>
+              <a:t>programas</a:t>
+            </a:r>
+            <a:r>
+              <a:rPr lang="en-GB" dirty="0"/>
+              <a:t> </a:t>
+            </a:r>
+            <a:r>
+              <a:rPr lang="en-GB" dirty="0" err="1"/>
+              <a:t>específicos</a:t>
+            </a:r>
+            <a:r>
+              <a:rPr lang="en-GB" dirty="0"/>
+              <a:t> para </a:t>
+            </a:r>
+            <a:r>
+              <a:rPr lang="en-GB" dirty="0" err="1"/>
+              <a:t>ciertos</a:t>
+            </a:r>
+            <a:r>
+              <a:rPr lang="en-GB" dirty="0"/>
+              <a:t> </a:t>
+            </a:r>
+            <a:r>
+              <a:rPr lang="en-GB" dirty="0" err="1"/>
+              <a:t>sistemas</a:t>
+            </a:r>
+            <a:r>
+              <a:rPr lang="en-GB" dirty="0"/>
+              <a:t> </a:t>
+            </a:r>
+            <a:r>
+              <a:rPr lang="en-GB" dirty="0" err="1"/>
+              <a:t>operativos</a:t>
+            </a:r>
+            <a:r>
+              <a:rPr lang="en-GB" dirty="0"/>
+              <a:t>.</a:t>
+            </a:r>
+          </a:p>
+          <a:p>
+            <a:pPr marL="0" indent="0">
+              <a:buNone/>
+            </a:pPr>
+            <a:r>
+              <a:rPr lang="es-ES" dirty="0"/>
+              <a:t>API REST:</a:t>
+            </a:r>
+          </a:p>
+          <a:p>
+            <a:r>
+              <a:rPr lang="es-ES" dirty="0"/>
+              <a:t>GET: Pedir al servidor un servicio</a:t>
+            </a:r>
+          </a:p>
+          <a:p>
+            <a:r>
+              <a:rPr lang="es-ES" dirty="0"/>
+              <a:t>POST: Actualizar una variable creando un nuevo registro</a:t>
+            </a:r>
+          </a:p>
+          <a:p>
+            <a:r>
+              <a:rPr lang="es-ES" dirty="0"/>
+              <a:t>PUT: Modificar un valor de un registro</a:t>
+            </a:r>
+          </a:p>
+          <a:p>
+            <a:r>
+              <a:rPr lang="es-ES" dirty="0"/>
+              <a:t>DELETE: Borrar un valor de un registro</a:t>
+            </a:r>
+          </a:p>
+          <a:p>
+            <a:pPr marL="0" indent="0">
+              <a:buNone/>
+            </a:pPr>
+            <a:endParaRPr lang="en-GB" dirty="0"/>
+          </a:p>
+        </p:txBody>
+      </p:sp>
+    </p:spTree>
+    <p:extLst>
+      <p:ext uri="{BB962C8B-B14F-4D97-AF65-F5344CB8AC3E}">
+        <p14:creationId xmlns:p14="http://schemas.microsoft.com/office/powerpoint/2010/main" val="3504138452"/>
+      </p:ext>
+    </p:extLst>
+  </p:cSld>
+  <p:clrMapOvr>
+    <a:masterClrMapping/>
+  </p:clrMapOvr>
+</p:sld>
+</file>
+
+<file path=ppt/slides/slide26.xml><?xml version="1.0" encoding="utf-8"?>
+<p:sld xmlns:a="http://schemas.openxmlformats.org/drawingml/2006/main" xmlns:r="http://schemas.openxmlformats.org/officeDocument/2006/relationships" xmlns:p="http://schemas.openxmlformats.org/presentationml/2006/main">
+  <p:cSld>
+    <p:spTree>
+      <p:nvGrpSpPr>
+        <p:cNvPr id="1" name=""/>
+        <p:cNvGrpSpPr/>
+        <p:nvPr/>
+      </p:nvGrpSpPr>
+      <p:grpSpPr>
+        <a:xfrm>
+          <a:off x="0" y="0"/>
+          <a:ext cx="0" cy="0"/>
+          <a:chOff x="0" y="0"/>
+          <a:chExt cx="0" cy="0"/>
+        </a:xfrm>
+      </p:grpSpPr>
+      <p:sp>
+        <p:nvSpPr>
+          <p:cNvPr id="2" name="Título 1"/>
+          <p:cNvSpPr>
+            <a:spLocks noGrp="1"/>
+          </p:cNvSpPr>
+          <p:nvPr>
+            <p:ph type="title"/>
+          </p:nvPr>
+        </p:nvSpPr>
+        <p:spPr/>
+        <p:txBody>
+          <a:bodyPr/>
+          <a:lstStyle/>
+          <a:p>
+            <a:r>
+              <a:rPr lang="en-GB" dirty="0" err="1"/>
+              <a:t>ThingTweet</a:t>
+            </a:r>
+            <a:endParaRPr lang="en-GB" dirty="0"/>
+          </a:p>
+        </p:txBody>
+      </p:sp>
+      <p:sp>
+        <p:nvSpPr>
+          <p:cNvPr id="3" name="Marcador de contenido 2"/>
+          <p:cNvSpPr>
+            <a:spLocks noGrp="1"/>
+          </p:cNvSpPr>
+          <p:nvPr>
+            <p:ph idx="1"/>
+          </p:nvPr>
+        </p:nvSpPr>
+        <p:spPr/>
+        <p:txBody>
+          <a:bodyPr/>
+          <a:lstStyle/>
+          <a:p>
+            <a:r>
+              <a:rPr lang="es-ES" dirty="0"/>
+              <a:t>También de </a:t>
+            </a:r>
+            <a:r>
+              <a:rPr lang="es-ES" dirty="0" err="1"/>
+              <a:t>ThingSpeak</a:t>
+            </a:r>
+            <a:r>
+              <a:rPr lang="es-ES" dirty="0"/>
+              <a:t>: Apps </a:t>
+            </a:r>
+            <a:r>
+              <a:rPr lang="es-ES" dirty="0">
+                <a:sym typeface="Wingdings" panose="05000000000000000000" pitchFamily="2" charset="2"/>
+              </a:rPr>
+              <a:t> </a:t>
+            </a:r>
+            <a:r>
+              <a:rPr lang="es-ES" dirty="0" err="1">
+                <a:sym typeface="Wingdings" panose="05000000000000000000" pitchFamily="2" charset="2"/>
+              </a:rPr>
+              <a:t>ThingTweet</a:t>
+            </a:r>
+            <a:r>
+              <a:rPr lang="es-ES" dirty="0">
+                <a:sym typeface="Wingdings" panose="05000000000000000000" pitchFamily="2" charset="2"/>
+              </a:rPr>
+              <a:t>. </a:t>
+            </a:r>
+          </a:p>
+          <a:p>
+            <a:r>
+              <a:rPr lang="es-ES" dirty="0">
+                <a:sym typeface="Wingdings" panose="05000000000000000000" pitchFamily="2" charset="2"/>
+              </a:rPr>
+              <a:t>Nos permite comunicarnos con la API de </a:t>
+            </a:r>
+            <a:r>
+              <a:rPr lang="es-ES" dirty="0" err="1">
+                <a:sym typeface="Wingdings" panose="05000000000000000000" pitchFamily="2" charset="2"/>
+              </a:rPr>
+              <a:t>Tweeter</a:t>
+            </a:r>
+            <a:r>
+              <a:rPr lang="es-ES" dirty="0">
+                <a:sym typeface="Wingdings" panose="05000000000000000000" pitchFamily="2" charset="2"/>
+              </a:rPr>
+              <a:t> y poner tweets en pocos minutos</a:t>
+            </a:r>
+          </a:p>
+          <a:p>
+            <a:r>
+              <a:rPr lang="es-ES" dirty="0">
+                <a:sym typeface="Wingdings" panose="05000000000000000000" pitchFamily="2" charset="2"/>
+              </a:rPr>
+              <a:t>Asociamos nuestra cuenta de Twitter</a:t>
+            </a:r>
+          </a:p>
+          <a:p>
+            <a:r>
+              <a:rPr lang="es-ES" dirty="0">
+                <a:sym typeface="Wingdings" panose="05000000000000000000" pitchFamily="2" charset="2"/>
+              </a:rPr>
+              <a:t>Obtenemos la API Key</a:t>
+            </a:r>
+          </a:p>
+          <a:p>
+            <a:r>
+              <a:rPr lang="es-ES" b="1" dirty="0">
+                <a:sym typeface="Wingdings" panose="05000000000000000000" pitchFamily="2" charset="2"/>
+              </a:rPr>
+              <a:t>Ejercicio: </a:t>
+            </a:r>
+            <a:r>
+              <a:rPr lang="es-ES" dirty="0">
+                <a:sym typeface="Wingdings" panose="05000000000000000000" pitchFamily="2" charset="2"/>
+              </a:rPr>
+              <a:t>Mandar un Tweet desde el ESP8266 mencionando a </a:t>
+            </a:r>
+            <a:r>
+              <a:rPr lang="es-ES" b="1" i="1" dirty="0">
+                <a:solidFill>
+                  <a:srgbClr val="00B0F0"/>
+                </a:solidFill>
+                <a:sym typeface="Wingdings" panose="05000000000000000000" pitchFamily="2" charset="2"/>
+              </a:rPr>
+              <a:t>@</a:t>
+            </a:r>
+            <a:r>
+              <a:rPr lang="es-ES" b="1" i="1" dirty="0" err="1">
+                <a:solidFill>
+                  <a:srgbClr val="00B0F0"/>
+                </a:solidFill>
+                <a:sym typeface="Wingdings" panose="05000000000000000000" pitchFamily="2" charset="2"/>
+              </a:rPr>
+              <a:t>techfestUPV</a:t>
+            </a:r>
+            <a:endParaRPr lang="en-GB" b="1" i="1" dirty="0">
+              <a:solidFill>
+                <a:srgbClr val="00B0F0"/>
+              </a:solidFill>
+            </a:endParaRPr>
+          </a:p>
+        </p:txBody>
+      </p:sp>
+    </p:spTree>
+    <p:extLst>
+      <p:ext uri="{BB962C8B-B14F-4D97-AF65-F5344CB8AC3E}">
+        <p14:creationId xmlns:p14="http://schemas.microsoft.com/office/powerpoint/2010/main" val="1170010242"/>
+      </p:ext>
+    </p:extLst>
+  </p:cSld>
+  <p:clrMapOvr>
+    <a:masterClrMapping/>
+  </p:clrMapOvr>
+</p:sld>
+</file>
+
+<file path=ppt/slides/slide27.xml><?xml version="1.0" encoding="utf-8"?>
+<p:sld xmlns:a="http://schemas.openxmlformats.org/drawingml/2006/main" xmlns:r="http://schemas.openxmlformats.org/officeDocument/2006/relationships" xmlns:p="http://schemas.openxmlformats.org/presentationml/2006/main">
+  <p:cSld>
+    <p:spTree>
+      <p:nvGrpSpPr>
+        <p:cNvPr id="1" name=""/>
+        <p:cNvGrpSpPr/>
+        <p:nvPr/>
+      </p:nvGrpSpPr>
+      <p:grpSpPr>
+        <a:xfrm>
+          <a:off x="0" y="0"/>
+          <a:ext cx="0" cy="0"/>
+          <a:chOff x="0" y="0"/>
+          <a:chExt cx="0" cy="0"/>
+        </a:xfrm>
+      </p:grpSpPr>
+      <p:sp>
+        <p:nvSpPr>
+          <p:cNvPr id="2" name="Título 1"/>
+          <p:cNvSpPr>
+            <a:spLocks noGrp="1"/>
+          </p:cNvSpPr>
+          <p:nvPr>
+            <p:ph type="title"/>
+          </p:nvPr>
+        </p:nvSpPr>
+        <p:spPr>
+          <a:xfrm>
+            <a:off x="854499" y="2377936"/>
+            <a:ext cx="9603275" cy="1049235"/>
+          </a:xfrm>
+        </p:spPr>
+        <p:txBody>
+          <a:bodyPr>
+            <a:normAutofit/>
+          </a:bodyPr>
+          <a:lstStyle/>
+          <a:p>
+            <a:r>
+              <a:rPr lang="es-ES" sz="6600" dirty="0"/>
+              <a:t>Planta Twittera</a:t>
+            </a:r>
+            <a:endParaRPr lang="en-GB" sz="6600" dirty="0"/>
+          </a:p>
+        </p:txBody>
+      </p:sp>
+      <p:pic>
+        <p:nvPicPr>
+          <p:cNvPr id="4" name="Imagen 3"/>
+          <p:cNvPicPr>
+            <a:picLocks noChangeAspect="1"/>
+          </p:cNvPicPr>
+          <p:nvPr/>
+        </p:nvPicPr>
+        <p:blipFill>
+          <a:blip r:embed="rId2"/>
+          <a:stretch>
+            <a:fillRect/>
+          </a:stretch>
+        </p:blipFill>
+        <p:spPr>
+          <a:xfrm>
+            <a:off x="7276575" y="1702636"/>
+            <a:ext cx="3747256" cy="2810442"/>
+          </a:xfrm>
+          <a:prstGeom prst="rect">
+            <a:avLst/>
+          </a:prstGeom>
+          <a:ln>
+            <a:noFill/>
+          </a:ln>
+          <a:effectLst>
+            <a:softEdge rad="112500"/>
+          </a:effectLst>
+        </p:spPr>
+      </p:pic>
+    </p:spTree>
+    <p:extLst>
+      <p:ext uri="{BB962C8B-B14F-4D97-AF65-F5344CB8AC3E}">
+        <p14:creationId xmlns:p14="http://schemas.microsoft.com/office/powerpoint/2010/main" val="3600513507"/>
+      </p:ext>
+    </p:extLst>
+  </p:cSld>
+  <p:clrMapOvr>
+    <a:masterClrMapping/>
+  </p:clrMapOvr>
+</p:sld>
+</file>
+
+<file path=ppt/slides/slide3.xml><?xml version="1.0" encoding="utf-8"?>
+<p:sld xmlns:a="http://schemas.openxmlformats.org/drawingml/2006/main" xmlns:r="http://schemas.openxmlformats.org/officeDocument/2006/relationships" xmlns:p="http://schemas.openxmlformats.org/presentationml/2006/main">
+  <p:cSld>
+    <p:spTree>
+      <p:nvGrpSpPr>
+        <p:cNvPr id="1" name=""/>
+        <p:cNvGrpSpPr/>
+        <p:nvPr/>
+      </p:nvGrpSpPr>
+      <p:grpSpPr>
+        <a:xfrm>
+          <a:off x="0" y="0"/>
+          <a:ext cx="0" cy="0"/>
+          <a:chOff x="0" y="0"/>
+          <a:chExt cx="0" cy="0"/>
+        </a:xfrm>
+      </p:grpSpPr>
+      <p:pic>
+        <p:nvPicPr>
+          <p:cNvPr id="1026" name="Picture 2" descr="Resultado de imagen de pregunta"/>
+          <p:cNvPicPr>
+            <a:picLocks noChangeAspect="1" noChangeArrowheads="1"/>
+          </p:cNvPicPr>
+          <p:nvPr/>
+        </p:nvPicPr>
+        <p:blipFill>
+          <a:blip r:embed="rId2">
+            <a:clrChange>
+              <a:clrFrom>
+                <a:srgbClr val="FFFFFF"/>
+              </a:clrFrom>
+              <a:clrTo>
+                <a:srgbClr val="FFFFFF">
+                  <a:alpha val="0"/>
+                </a:srgbClr>
+              </a:clrTo>
+            </a:clrChange>
+            <a:extLst>
+              <a:ext uri="{28A0092B-C50C-407E-A947-70E740481C1C}">
+                <a14:useLocalDpi xmlns:a14="http://schemas.microsoft.com/office/drawing/2010/main" val="0"/>
+              </a:ext>
+            </a:extLst>
+          </a:blip>
+          <a:srcRect/>
+          <a:stretch>
+            <a:fillRect/>
+          </a:stretch>
+        </p:blipFill>
+        <p:spPr bwMode="auto">
+          <a:xfrm>
+            <a:off x="3880022" y="2706481"/>
+            <a:ext cx="3264245" cy="3264245"/>
+          </a:xfrm>
+          <a:prstGeom prst="rect">
+            <a:avLst/>
+          </a:prstGeom>
+          <a:noFill/>
+          <a:extLst>
+            <a:ext uri="{909E8E84-426E-40DD-AFC4-6F175D3DCCD1}">
+              <a14:hiddenFill xmlns:a14="http://schemas.microsoft.com/office/drawing/2010/main">
+                <a:solidFill>
+                  <a:srgbClr val="FFFFFF"/>
+                </a:solidFill>
+              </a14:hiddenFill>
+            </a:ext>
+          </a:extLst>
+        </p:spPr>
+      </p:pic>
+      <p:sp>
+        <p:nvSpPr>
+          <p:cNvPr id="6" name="CuadroTexto 5"/>
+          <p:cNvSpPr txBox="1"/>
+          <p:nvPr/>
+        </p:nvSpPr>
+        <p:spPr>
+          <a:xfrm>
+            <a:off x="1729946" y="1136821"/>
+            <a:ext cx="8835081" cy="1569660"/>
+          </a:xfrm>
+          <a:prstGeom prst="rect">
+            <a:avLst/>
+          </a:prstGeom>
+          <a:noFill/>
+        </p:spPr>
+        <p:txBody>
+          <a:bodyPr wrap="square" rtlCol="0">
+            <a:spAutoFit/>
+          </a:bodyPr>
+          <a:lstStyle/>
+          <a:p>
+            <a:r>
+              <a:rPr lang="es-ES" sz="9600" dirty="0"/>
+              <a:t>¿Qué es </a:t>
+            </a:r>
+            <a:r>
+              <a:rPr lang="es-ES" sz="9600" dirty="0" err="1"/>
+              <a:t>IoT</a:t>
+            </a:r>
+            <a:r>
+              <a:rPr lang="es-ES" sz="9600" dirty="0"/>
+              <a:t>?</a:t>
+            </a:r>
+            <a:endParaRPr lang="en-GB" sz="9600" dirty="0"/>
+          </a:p>
+        </p:txBody>
+      </p:sp>
+    </p:spTree>
+    <p:extLst>
+      <p:ext uri="{BB962C8B-B14F-4D97-AF65-F5344CB8AC3E}">
+        <p14:creationId xmlns:p14="http://schemas.microsoft.com/office/powerpoint/2010/main" val="3785097165"/>
+      </p:ext>
+    </p:extLst>
+  </p:cSld>
+  <p:clrMapOvr>
+    <a:masterClrMapping/>
+  </p:clrMapOvr>
+</p:sld>
+</file>
+
+<file path=ppt/slides/slide4.xml><?xml version="1.0" encoding="utf-8"?>
+<p:sld xmlns:a="http://schemas.openxmlformats.org/drawingml/2006/main" xmlns:r="http://schemas.openxmlformats.org/officeDocument/2006/relationships" xmlns:p="http://schemas.openxmlformats.org/presentationml/2006/main">
+  <p:cSld>
+    <p:spTree>
+      <p:nvGrpSpPr>
+        <p:cNvPr id="1" name=""/>
+        <p:cNvGrpSpPr/>
+        <p:nvPr/>
+      </p:nvGrpSpPr>
+      <p:grpSpPr>
+        <a:xfrm>
+          <a:off x="0" y="0"/>
+          <a:ext cx="0" cy="0"/>
+          <a:chOff x="0" y="0"/>
+          <a:chExt cx="0" cy="0"/>
+        </a:xfrm>
+      </p:grpSpPr>
+      <p:sp>
+        <p:nvSpPr>
+          <p:cNvPr id="2" name="Título 1"/>
+          <p:cNvSpPr>
+            <a:spLocks noGrp="1"/>
+          </p:cNvSpPr>
+          <p:nvPr>
+            <p:ph type="title"/>
+          </p:nvPr>
+        </p:nvSpPr>
+        <p:spPr/>
+        <p:txBody>
+          <a:bodyPr/>
+          <a:lstStyle/>
+          <a:p>
+            <a:r>
+              <a:rPr lang="es-ES" dirty="0"/>
+              <a:t>¿Qué es </a:t>
+            </a:r>
+            <a:r>
+              <a:rPr lang="es-ES" dirty="0" err="1"/>
+              <a:t>IoT</a:t>
+            </a:r>
+            <a:r>
+              <a:rPr lang="es-ES" dirty="0"/>
+              <a:t>?</a:t>
+            </a:r>
+            <a:endParaRPr lang="en-GB" dirty="0"/>
+          </a:p>
+        </p:txBody>
+      </p:sp>
+      <p:sp>
+        <p:nvSpPr>
+          <p:cNvPr id="3" name="Marcador de contenido 2"/>
+          <p:cNvSpPr>
+            <a:spLocks noGrp="1"/>
+          </p:cNvSpPr>
+          <p:nvPr>
+            <p:ph idx="1"/>
+          </p:nvPr>
+        </p:nvSpPr>
+        <p:spPr>
+          <a:xfrm>
+            <a:off x="759569" y="1743067"/>
+            <a:ext cx="8866346" cy="1704468"/>
+          </a:xfrm>
+        </p:spPr>
+        <p:txBody>
+          <a:bodyPr/>
+          <a:lstStyle/>
+          <a:p>
+            <a:pPr marL="0" indent="0">
+              <a:buNone/>
+            </a:pPr>
+            <a:r>
+              <a:rPr lang="es-ES" b="1" dirty="0"/>
+              <a:t>Internet de las cosas</a:t>
+            </a:r>
+            <a:r>
+              <a:rPr lang="es-ES" dirty="0"/>
+              <a:t> (en </a:t>
+            </a:r>
+            <a:r>
+              <a:rPr lang="es-ES" dirty="0">
+                <a:hlinkClick r:id="rId2" tooltip="Idioma inglés"/>
+              </a:rPr>
+              <a:t>inglés</a:t>
+            </a:r>
+            <a:r>
+              <a:rPr lang="es-ES" dirty="0"/>
+              <a:t>, </a:t>
+            </a:r>
+            <a:r>
+              <a:rPr lang="es-ES" i="1" dirty="0"/>
+              <a:t>Internet of </a:t>
+            </a:r>
+            <a:r>
+              <a:rPr lang="es-ES" i="1" dirty="0" err="1"/>
+              <a:t>things</a:t>
+            </a:r>
+            <a:r>
+              <a:rPr lang="es-ES" dirty="0"/>
+              <a:t>, abreviado </a:t>
+            </a:r>
+            <a:r>
+              <a:rPr lang="es-ES" i="1" dirty="0" err="1"/>
+              <a:t>IoT</a:t>
+            </a:r>
+            <a:r>
+              <a:rPr lang="es-ES" dirty="0"/>
+              <a:t>)</a:t>
+            </a:r>
+            <a:r>
+              <a:rPr lang="es-ES" baseline="30000" dirty="0">
+                <a:hlinkClick r:id="rId3"/>
+              </a:rPr>
+              <a:t>1</a:t>
+            </a:r>
+            <a:r>
+              <a:rPr lang="es-ES" dirty="0"/>
+              <a:t> </a:t>
+            </a:r>
+            <a:r>
+              <a:rPr lang="es-ES" baseline="30000" dirty="0">
+                <a:hlinkClick r:id="rId4"/>
+              </a:rPr>
+              <a:t>2</a:t>
+            </a:r>
+            <a:r>
+              <a:rPr lang="es-ES" dirty="0"/>
+              <a:t> es un concepto que se refiere a la </a:t>
+            </a:r>
+            <a:r>
+              <a:rPr lang="es-ES" dirty="0">
+                <a:hlinkClick r:id="rId5" tooltip="Red de computadoras"/>
+              </a:rPr>
+              <a:t>interconexión</a:t>
+            </a:r>
+            <a:r>
+              <a:rPr lang="es-ES" dirty="0"/>
+              <a:t> digital de objetos cotidianos con </a:t>
+            </a:r>
+            <a:r>
+              <a:rPr lang="es-ES" dirty="0">
+                <a:hlinkClick r:id="rId6" tooltip="Internet"/>
+              </a:rPr>
+              <a:t>internet</a:t>
+            </a:r>
+            <a:r>
+              <a:rPr lang="es-ES" dirty="0"/>
+              <a:t>.</a:t>
+            </a:r>
+            <a:r>
+              <a:rPr lang="es-ES" baseline="30000" dirty="0">
+                <a:hlinkClick r:id="rId7"/>
+              </a:rPr>
+              <a:t>3</a:t>
+            </a:r>
+            <a:r>
+              <a:rPr lang="es-ES" dirty="0"/>
+              <a:t> Alternativamente, Internet de las cosas es la conexión de Internet con “cosas u objetos” que personas.</a:t>
+            </a:r>
+            <a:endParaRPr lang="en-GB" dirty="0"/>
+          </a:p>
+        </p:txBody>
+      </p:sp>
+      <p:pic>
+        <p:nvPicPr>
+          <p:cNvPr id="4" name="Imagen 3"/>
+          <p:cNvPicPr>
+            <a:picLocks noChangeAspect="1"/>
+          </p:cNvPicPr>
+          <p:nvPr/>
+        </p:nvPicPr>
+        <p:blipFill>
+          <a:blip r:embed="rId8">
+            <a:clrChange>
+              <a:clrFrom>
+                <a:srgbClr val="000000">
+                  <a:alpha val="0"/>
+                </a:srgbClr>
+              </a:clrFrom>
+              <a:clrTo>
+                <a:srgbClr val="000000">
+                  <a:alpha val="0"/>
+                </a:srgbClr>
+              </a:clrTo>
+            </a:clrChange>
+            <a:extLst>
+              <a:ext uri="{BEBA8EAE-BF5A-486C-A8C5-ECC9F3942E4B}">
+                <a14:imgProps xmlns:a14="http://schemas.microsoft.com/office/drawing/2010/main">
+                  <a14:imgLayer r:embed="rId9">
+                    <a14:imgEffect>
+                      <a14:backgroundRemoval t="4516" b="89677" l="9816" r="89571">
+                        <a14:foregroundMark x1="26380" y1="21935" x2="26380" y2="21935"/>
+                        <a14:foregroundMark x1="28221" y1="16129" x2="28221" y2="16129"/>
+                        <a14:foregroundMark x1="33742" y1="13548" x2="33742" y2="13548"/>
+                        <a14:foregroundMark x1="35583" y1="14839" x2="36810" y2="12258"/>
+                        <a14:foregroundMark x1="41718" y1="12903" x2="47239" y2="11613"/>
+                        <a14:foregroundMark x1="51534" y1="4516" x2="51534" y2="4516"/>
+                        <a14:foregroundMark x1="51534" y1="4516" x2="51534" y2="4516"/>
+                        <a14:foregroundMark x1="41104" y1="7097" x2="66258" y2="12258"/>
+                        <a14:foregroundMark x1="63190" y1="6452" x2="55828" y2="6452"/>
+                        <a14:foregroundMark x1="21472" y1="26452" x2="23926" y2="54194"/>
+                        <a14:foregroundMark x1="15951" y1="72258" x2="86503" y2="78065"/>
+                      </a14:backgroundRemoval>
+                    </a14:imgEffect>
+                  </a14:imgLayer>
+                </a14:imgProps>
+              </a:ext>
+            </a:extLst>
+          </a:blip>
+          <a:stretch>
+            <a:fillRect/>
+          </a:stretch>
+        </p:blipFill>
+        <p:spPr>
+          <a:xfrm>
+            <a:off x="9411729" y="1541691"/>
+            <a:ext cx="2215980" cy="2107220"/>
+          </a:xfrm>
+          <a:prstGeom prst="rect">
+            <a:avLst/>
+          </a:prstGeom>
+        </p:spPr>
+      </p:pic>
+      <p:pic>
+        <p:nvPicPr>
+          <p:cNvPr id="2050" name="Picture 2" descr="Internet de las cosas"/>
+          <p:cNvPicPr>
+            <a:picLocks noChangeAspect="1" noChangeArrowheads="1"/>
+          </p:cNvPicPr>
+          <p:nvPr/>
+        </p:nvPicPr>
+        <p:blipFill>
+          <a:blip r:embed="rId10">
+            <a:extLst>
+              <a:ext uri="{28A0092B-C50C-407E-A947-70E740481C1C}">
+                <a14:useLocalDpi xmlns:a14="http://schemas.microsoft.com/office/drawing/2010/main" val="0"/>
+              </a:ext>
+            </a:extLst>
+          </a:blip>
+          <a:srcRect/>
+          <a:stretch>
+            <a:fillRect/>
+          </a:stretch>
+        </p:blipFill>
+        <p:spPr bwMode="auto">
+          <a:xfrm>
+            <a:off x="2736998" y="758627"/>
+            <a:ext cx="5780567" cy="5780567"/>
+          </a:xfrm>
+          <a:prstGeom prst="rect">
+            <a:avLst/>
+          </a:prstGeom>
+          <a:noFill/>
+          <a:extLst>
+            <a:ext uri="{909E8E84-426E-40DD-AFC4-6F175D3DCCD1}">
+              <a14:hiddenFill xmlns:a14="http://schemas.microsoft.com/office/drawing/2010/main">
+                <a:solidFill>
+                  <a:srgbClr val="FFFFFF"/>
+                </a:solidFill>
+              </a14:hiddenFill>
+            </a:ext>
+          </a:extLst>
+        </p:spPr>
+      </p:pic>
+      <p:sp>
+        <p:nvSpPr>
+          <p:cNvPr id="5" name="Elipse 4"/>
+          <p:cNvSpPr/>
+          <p:nvPr/>
+        </p:nvSpPr>
+        <p:spPr>
+          <a:xfrm>
+            <a:off x="2940908" y="1743067"/>
+            <a:ext cx="2607276" cy="1704468"/>
+          </a:xfrm>
+          <a:prstGeom prst="ellipse">
+            <a:avLst/>
+          </a:prstGeom>
+          <a:noFill/>
+          <a:ln w="57150">
+            <a:solidFill>
+              <a:srgbClr val="FF0000"/>
+            </a:solidFill>
+          </a:ln>
+        </p:spPr>
+        <p:style>
+          <a:lnRef idx="2">
+            <a:schemeClr val="accent6"/>
+          </a:lnRef>
+          <a:fillRef idx="1">
+            <a:schemeClr val="lt1"/>
+          </a:fillRef>
+          <a:effectRef idx="0">
+            <a:schemeClr val="accent6"/>
+          </a:effectRef>
+          <a:fontRef idx="minor">
+            <a:schemeClr val="dk1"/>
+          </a:fontRef>
+        </p:style>
+        <p:txBody>
+          <a:bodyPr rtlCol="0" anchor="ctr"/>
+          <a:lstStyle/>
+          <a:p>
+            <a:pPr algn="ctr"/>
             <a:endParaRPr lang="en-GB"/>
           </a:p>
         </p:txBody>
@@ -3875,6 +7600,1480 @@
     <p:extLst>
       <p:ext uri="{BB962C8B-B14F-4D97-AF65-F5344CB8AC3E}">
         <p14:creationId xmlns:p14="http://schemas.microsoft.com/office/powerpoint/2010/main" val="972996199"/>
+      </p:ext>
+    </p:extLst>
+  </p:cSld>
+  <p:clrMapOvr>
+    <a:masterClrMapping/>
+  </p:clrMapOvr>
+  <p:timing>
+    <p:tnLst>
+      <p:par>
+        <p:cTn id="1" dur="indefinite" restart="never" nodeType="tmRoot">
+          <p:childTnLst>
+            <p:seq concurrent="1" nextAc="seek">
+              <p:cTn id="2" dur="indefinite" nodeType="mainSeq">
+                <p:childTnLst>
+                  <p:par>
+                    <p:cTn id="3" fill="hold">
+                      <p:stCondLst>
+                        <p:cond delay="indefinite"/>
+                      </p:stCondLst>
+                      <p:childTnLst>
+                        <p:par>
+                          <p:cTn id="4" fill="hold">
+                            <p:stCondLst>
+                              <p:cond delay="0"/>
+                            </p:stCondLst>
+                            <p:childTnLst>
+                              <p:par>
+                                <p:cTn id="5" presetID="31" presetClass="entr" presetSubtype="0" fill="hold" nodeType="clickEffect">
+                                  <p:stCondLst>
+                                    <p:cond delay="0"/>
+                                  </p:stCondLst>
+                                  <p:childTnLst>
+                                    <p:set>
+                                      <p:cBhvr>
+                                        <p:cTn id="6" dur="1" fill="hold">
+                                          <p:stCondLst>
+                                            <p:cond delay="0"/>
+                                          </p:stCondLst>
+                                        </p:cTn>
+                                        <p:tgtEl>
+                                          <p:spTgt spid="2050"/>
+                                        </p:tgtEl>
+                                        <p:attrNameLst>
+                                          <p:attrName>style.visibility</p:attrName>
+                                        </p:attrNameLst>
+                                      </p:cBhvr>
+                                      <p:to>
+                                        <p:strVal val="visible"/>
+                                      </p:to>
+                                    </p:set>
+                                    <p:anim calcmode="lin" valueType="num">
+                                      <p:cBhvr>
+                                        <p:cTn id="7" dur="1000" fill="hold"/>
+                                        <p:tgtEl>
+                                          <p:spTgt spid="2050"/>
+                                        </p:tgtEl>
+                                        <p:attrNameLst>
+                                          <p:attrName>ppt_w</p:attrName>
+                                        </p:attrNameLst>
+                                      </p:cBhvr>
+                                      <p:tavLst>
+                                        <p:tav tm="0">
+                                          <p:val>
+                                            <p:fltVal val="0"/>
+                                          </p:val>
+                                        </p:tav>
+                                        <p:tav tm="100000">
+                                          <p:val>
+                                            <p:strVal val="#ppt_w"/>
+                                          </p:val>
+                                        </p:tav>
+                                      </p:tavLst>
+                                    </p:anim>
+                                    <p:anim calcmode="lin" valueType="num">
+                                      <p:cBhvr>
+                                        <p:cTn id="8" dur="1000" fill="hold"/>
+                                        <p:tgtEl>
+                                          <p:spTgt spid="2050"/>
+                                        </p:tgtEl>
+                                        <p:attrNameLst>
+                                          <p:attrName>ppt_h</p:attrName>
+                                        </p:attrNameLst>
+                                      </p:cBhvr>
+                                      <p:tavLst>
+                                        <p:tav tm="0">
+                                          <p:val>
+                                            <p:fltVal val="0"/>
+                                          </p:val>
+                                        </p:tav>
+                                        <p:tav tm="100000">
+                                          <p:val>
+                                            <p:strVal val="#ppt_h"/>
+                                          </p:val>
+                                        </p:tav>
+                                      </p:tavLst>
+                                    </p:anim>
+                                    <p:anim calcmode="lin" valueType="num">
+                                      <p:cBhvr>
+                                        <p:cTn id="9" dur="1000" fill="hold"/>
+                                        <p:tgtEl>
+                                          <p:spTgt spid="2050"/>
+                                        </p:tgtEl>
+                                        <p:attrNameLst>
+                                          <p:attrName>style.rotation</p:attrName>
+                                        </p:attrNameLst>
+                                      </p:cBhvr>
+                                      <p:tavLst>
+                                        <p:tav tm="0">
+                                          <p:val>
+                                            <p:fltVal val="90"/>
+                                          </p:val>
+                                        </p:tav>
+                                        <p:tav tm="100000">
+                                          <p:val>
+                                            <p:fltVal val="0"/>
+                                          </p:val>
+                                        </p:tav>
+                                      </p:tavLst>
+                                    </p:anim>
+                                    <p:animEffect transition="in" filter="fade">
+                                      <p:cBhvr>
+                                        <p:cTn id="10" dur="1000"/>
+                                        <p:tgtEl>
+                                          <p:spTgt spid="2050"/>
+                                        </p:tgtEl>
+                                      </p:cBhvr>
+                                    </p:animEffect>
+                                  </p:childTnLst>
+                                </p:cTn>
+                              </p:par>
+                            </p:childTnLst>
+                          </p:cTn>
+                        </p:par>
+                      </p:childTnLst>
+                    </p:cTn>
+                  </p:par>
+                  <p:par>
+                    <p:cTn id="11" fill="hold">
+                      <p:stCondLst>
+                        <p:cond delay="indefinite"/>
+                      </p:stCondLst>
+                      <p:childTnLst>
+                        <p:par>
+                          <p:cTn id="12" fill="hold">
+                            <p:stCondLst>
+                              <p:cond delay="0"/>
+                            </p:stCondLst>
+                            <p:childTnLst>
+                              <p:par>
+                                <p:cTn id="13" presetID="1" presetClass="entr" presetSubtype="0" fill="hold" grpId="0" nodeType="clickEffect">
+                                  <p:stCondLst>
+                                    <p:cond delay="0"/>
+                                  </p:stCondLst>
+                                  <p:childTnLst>
+                                    <p:set>
+                                      <p:cBhvr>
+                                        <p:cTn id="14" dur="1" fill="hold">
+                                          <p:stCondLst>
+                                            <p:cond delay="0"/>
+                                          </p:stCondLst>
+                                        </p:cTn>
+                                        <p:tgtEl>
+                                          <p:spTgt spid="5"/>
+                                        </p:tgtEl>
+                                        <p:attrNameLst>
+                                          <p:attrName>style.visibility</p:attrName>
+                                        </p:attrNameLst>
+                                      </p:cBhvr>
+                                      <p:to>
+                                        <p:strVal val="visible"/>
+                                      </p:to>
+                                    </p:set>
+                                  </p:childTnLst>
+                                </p:cTn>
+                              </p:par>
+                            </p:childTnLst>
+                          </p:cTn>
+                        </p:par>
+                      </p:childTnLst>
+                    </p:cTn>
+                  </p:par>
+                </p:childTnLst>
+              </p:cTn>
+              <p:prevCondLst>
+                <p:cond evt="onPrev" delay="0">
+                  <p:tgtEl>
+                    <p:sldTgt/>
+                  </p:tgtEl>
+                </p:cond>
+              </p:prevCondLst>
+              <p:nextCondLst>
+                <p:cond evt="onNext" delay="0">
+                  <p:tgtEl>
+                    <p:sldTgt/>
+                  </p:tgtEl>
+                </p:cond>
+              </p:nextCondLst>
+            </p:seq>
+          </p:childTnLst>
+        </p:cTn>
+      </p:par>
+    </p:tnLst>
+    <p:bldLst>
+      <p:bldP spid="5" grpId="0" animBg="1"/>
+    </p:bldLst>
+  </p:timing>
+</p:sld>
+</file>
+
+<file path=ppt/slides/slide5.xml><?xml version="1.0" encoding="utf-8"?>
+<p:sld xmlns:a="http://schemas.openxmlformats.org/drawingml/2006/main" xmlns:r="http://schemas.openxmlformats.org/officeDocument/2006/relationships" xmlns:p="http://schemas.openxmlformats.org/presentationml/2006/main">
+  <p:cSld>
+    <p:spTree>
+      <p:nvGrpSpPr>
+        <p:cNvPr id="1" name=""/>
+        <p:cNvGrpSpPr/>
+        <p:nvPr/>
+      </p:nvGrpSpPr>
+      <p:grpSpPr>
+        <a:xfrm>
+          <a:off x="0" y="0"/>
+          <a:ext cx="0" cy="0"/>
+          <a:chOff x="0" y="0"/>
+          <a:chExt cx="0" cy="0"/>
+        </a:xfrm>
+      </p:grpSpPr>
+      <p:sp>
+        <p:nvSpPr>
+          <p:cNvPr id="8" name="Rectángulo 7"/>
+          <p:cNvSpPr/>
+          <p:nvPr/>
+        </p:nvSpPr>
+        <p:spPr>
+          <a:xfrm>
+            <a:off x="1470453" y="4300912"/>
+            <a:ext cx="4114801" cy="580007"/>
+          </a:xfrm>
+          <a:prstGeom prst="rect">
+            <a:avLst/>
+          </a:prstGeom>
+          <a:solidFill>
+            <a:srgbClr val="FFFF00"/>
+          </a:solidFill>
+          <a:ln>
+            <a:noFill/>
+          </a:ln>
+        </p:spPr>
+        <p:style>
+          <a:lnRef idx="3">
+            <a:schemeClr val="lt1"/>
+          </a:lnRef>
+          <a:fillRef idx="1">
+            <a:schemeClr val="accent5"/>
+          </a:fillRef>
+          <a:effectRef idx="1">
+            <a:schemeClr val="accent5"/>
+          </a:effectRef>
+          <a:fontRef idx="minor">
+            <a:schemeClr val="lt1"/>
+          </a:fontRef>
+        </p:style>
+        <p:txBody>
+          <a:bodyPr rtlCol="0" anchor="ctr"/>
+          <a:lstStyle/>
+          <a:p>
+            <a:pPr algn="ctr"/>
+            <a:endParaRPr lang="en-GB" dirty="0"/>
+          </a:p>
+        </p:txBody>
+      </p:sp>
+      <p:sp>
+        <p:nvSpPr>
+          <p:cNvPr id="6" name="Rectángulo 5"/>
+          <p:cNvSpPr/>
+          <p:nvPr/>
+        </p:nvSpPr>
+        <p:spPr>
+          <a:xfrm>
+            <a:off x="1470454" y="3163330"/>
+            <a:ext cx="2570205" cy="278407"/>
+          </a:xfrm>
+          <a:prstGeom prst="rect">
+            <a:avLst/>
+          </a:prstGeom>
+          <a:solidFill>
+            <a:srgbClr val="FFFF00"/>
+          </a:solidFill>
+          <a:ln>
+            <a:noFill/>
+          </a:ln>
+        </p:spPr>
+        <p:style>
+          <a:lnRef idx="3">
+            <a:schemeClr val="lt1"/>
+          </a:lnRef>
+          <a:fillRef idx="1">
+            <a:schemeClr val="accent5"/>
+          </a:fillRef>
+          <a:effectRef idx="1">
+            <a:schemeClr val="accent5"/>
+          </a:effectRef>
+          <a:fontRef idx="minor">
+            <a:schemeClr val="lt1"/>
+          </a:fontRef>
+        </p:style>
+        <p:txBody>
+          <a:bodyPr rtlCol="0" anchor="ctr"/>
+          <a:lstStyle/>
+          <a:p>
+            <a:pPr algn="ctr"/>
+            <a:endParaRPr lang="en-GB"/>
+          </a:p>
+        </p:txBody>
+      </p:sp>
+      <p:sp>
+        <p:nvSpPr>
+          <p:cNvPr id="2" name="Título 1"/>
+          <p:cNvSpPr>
+            <a:spLocks noGrp="1"/>
+          </p:cNvSpPr>
+          <p:nvPr>
+            <p:ph type="title"/>
+          </p:nvPr>
+        </p:nvSpPr>
+        <p:spPr>
+          <a:ln>
+            <a:noFill/>
+          </a:ln>
+        </p:spPr>
+        <p:txBody>
+          <a:bodyPr>
+            <a:normAutofit/>
+          </a:bodyPr>
+          <a:lstStyle/>
+          <a:p>
+            <a:r>
+              <a:rPr lang="en-GB" dirty="0" err="1"/>
+              <a:t>Conociendo</a:t>
+            </a:r>
+            <a:r>
+              <a:rPr lang="en-GB" dirty="0"/>
+              <a:t> al ESP8266</a:t>
+            </a:r>
+            <a:br>
+              <a:rPr lang="en-GB" b="1" dirty="0"/>
+            </a:br>
+            <a:endParaRPr lang="en-GB" dirty="0"/>
+          </a:p>
+        </p:txBody>
+      </p:sp>
+      <p:pic>
+        <p:nvPicPr>
+          <p:cNvPr id="3074" name="Picture 2" descr="ESP-12-E"/>
+          <p:cNvPicPr>
+            <a:picLocks noGrp="1" noChangeAspect="1" noChangeArrowheads="1"/>
+          </p:cNvPicPr>
+          <p:nvPr>
+            <p:ph idx="1"/>
+          </p:nvPr>
+        </p:nvPicPr>
+        <p:blipFill>
+          <a:blip r:embed="rId2">
+            <a:extLst>
+              <a:ext uri="{28A0092B-C50C-407E-A947-70E740481C1C}">
+                <a14:useLocalDpi xmlns:a14="http://schemas.microsoft.com/office/drawing/2010/main" val="0"/>
+              </a:ext>
+            </a:extLst>
+          </a:blip>
+          <a:srcRect/>
+          <a:stretch>
+            <a:fillRect/>
+          </a:stretch>
+        </p:blipFill>
+        <p:spPr bwMode="auto">
+          <a:xfrm>
+            <a:off x="6250910" y="2546255"/>
+            <a:ext cx="5044972" cy="1790965"/>
+          </a:xfrm>
+          <a:prstGeom prst="rect">
+            <a:avLst/>
+          </a:prstGeom>
+          <a:noFill/>
+          <a:extLst>
+            <a:ext uri="{909E8E84-426E-40DD-AFC4-6F175D3DCCD1}">
+              <a14:hiddenFill xmlns:a14="http://schemas.microsoft.com/office/drawing/2010/main">
+                <a:solidFill>
+                  <a:srgbClr val="FFFFFF"/>
+                </a:solidFill>
+              </a14:hiddenFill>
+            </a:ext>
+          </a:extLst>
+        </p:spPr>
+      </p:pic>
+      <p:sp>
+        <p:nvSpPr>
+          <p:cNvPr id="4" name="CuadroTexto 3"/>
+          <p:cNvSpPr txBox="1"/>
+          <p:nvPr/>
+        </p:nvSpPr>
+        <p:spPr>
+          <a:xfrm>
+            <a:off x="1112109" y="2298357"/>
+            <a:ext cx="4880918" cy="2862322"/>
+          </a:xfrm>
+          <a:prstGeom prst="rect">
+            <a:avLst/>
+          </a:prstGeom>
+          <a:noFill/>
+        </p:spPr>
+        <p:txBody>
+          <a:bodyPr wrap="square" rtlCol="0">
+            <a:spAutoFit/>
+          </a:bodyPr>
+          <a:lstStyle/>
+          <a:p>
+            <a:pPr marL="285750" indent="-285750">
+              <a:buFont typeface="Arial" panose="020B0604020202020204" pitchFamily="34" charset="0"/>
+              <a:buChar char="•"/>
+            </a:pPr>
+            <a:r>
+              <a:rPr lang="en-GB" dirty="0"/>
+              <a:t>32-bit RISC CPU a 80 MHz </a:t>
+            </a:r>
+          </a:p>
+          <a:p>
+            <a:pPr marL="285750" indent="-285750">
+              <a:buFont typeface="Arial" panose="020B0604020202020204" pitchFamily="34" charset="0"/>
+              <a:buChar char="•"/>
+            </a:pPr>
+            <a:r>
+              <a:rPr lang="en-GB" dirty="0"/>
+              <a:t>64 KiB de RAM para </a:t>
+            </a:r>
+            <a:r>
+              <a:rPr lang="en-GB" dirty="0" err="1"/>
+              <a:t>instrucciones</a:t>
+            </a:r>
+            <a:r>
+              <a:rPr lang="en-GB" dirty="0"/>
+              <a:t> y 96 KiB de RAM para </a:t>
+            </a:r>
+            <a:r>
+              <a:rPr lang="en-GB" dirty="0" err="1"/>
+              <a:t>datos</a:t>
+            </a:r>
+            <a:endParaRPr lang="en-GB" dirty="0"/>
+          </a:p>
+          <a:p>
+            <a:pPr marL="285750" indent="-285750">
+              <a:buFont typeface="Arial" panose="020B0604020202020204" pitchFamily="34" charset="0"/>
+              <a:buChar char="•"/>
+            </a:pPr>
+            <a:r>
+              <a:rPr lang="en-GB" dirty="0"/>
+              <a:t>IEEE 802.11 b/g/n Wi-Fi</a:t>
+            </a:r>
+          </a:p>
+          <a:p>
+            <a:pPr marL="285750" indent="-285750">
+              <a:buFont typeface="Arial" panose="020B0604020202020204" pitchFamily="34" charset="0"/>
+              <a:buChar char="•"/>
+            </a:pPr>
+            <a:r>
+              <a:rPr lang="en-GB" dirty="0"/>
+              <a:t>16 pines GPIO</a:t>
+            </a:r>
+          </a:p>
+          <a:p>
+            <a:pPr marL="285750" indent="-285750">
+              <a:buFont typeface="Arial" panose="020B0604020202020204" pitchFamily="34" charset="0"/>
+              <a:buChar char="•"/>
+            </a:pPr>
+            <a:r>
+              <a:rPr lang="en-GB" dirty="0"/>
+              <a:t>SPI e I2C</a:t>
+            </a:r>
+          </a:p>
+          <a:p>
+            <a:pPr marL="285750" indent="-285750">
+              <a:buFont typeface="Arial" panose="020B0604020202020204" pitchFamily="34" charset="0"/>
+              <a:buChar char="•"/>
+            </a:pPr>
+            <a:r>
+              <a:rPr lang="en-GB" dirty="0"/>
+              <a:t>UART </a:t>
+            </a:r>
+          </a:p>
+          <a:p>
+            <a:pPr marL="285750" indent="-285750">
+              <a:buFont typeface="Arial" panose="020B0604020202020204" pitchFamily="34" charset="0"/>
+              <a:buChar char="•"/>
+            </a:pPr>
+            <a:r>
+              <a:rPr lang="en-GB" dirty="0" err="1"/>
+              <a:t>Convertidor</a:t>
+            </a:r>
+            <a:r>
+              <a:rPr lang="en-GB" dirty="0"/>
+              <a:t> </a:t>
+            </a:r>
+            <a:r>
+              <a:rPr lang="en-GB" dirty="0" err="1"/>
+              <a:t>Analógico</a:t>
+            </a:r>
+            <a:r>
+              <a:rPr lang="en-GB" dirty="0"/>
+              <a:t>-Digital (ADC) de 10 bit</a:t>
+            </a:r>
+          </a:p>
+          <a:p>
+            <a:pPr marL="285750" indent="-285750">
+              <a:buFont typeface="Arial" panose="020B0604020202020204" pitchFamily="34" charset="0"/>
+              <a:buChar char="•"/>
+            </a:pPr>
+            <a:endParaRPr lang="en-GB" dirty="0"/>
+          </a:p>
+        </p:txBody>
+      </p:sp>
+      <p:sp>
+        <p:nvSpPr>
+          <p:cNvPr id="7" name="CuadroTexto 6"/>
+          <p:cNvSpPr txBox="1"/>
+          <p:nvPr/>
+        </p:nvSpPr>
+        <p:spPr>
+          <a:xfrm>
+            <a:off x="1853513" y="1864382"/>
+            <a:ext cx="6326660" cy="3154710"/>
+          </a:xfrm>
+          <a:prstGeom prst="rect">
+            <a:avLst/>
+          </a:prstGeom>
+          <a:noFill/>
+        </p:spPr>
+        <p:txBody>
+          <a:bodyPr wrap="square" rtlCol="0">
+            <a:spAutoFit/>
+          </a:bodyPr>
+          <a:lstStyle/>
+          <a:p>
+            <a:r>
+              <a:rPr lang="es-ES" sz="19900" dirty="0"/>
+              <a:t> </a:t>
+            </a:r>
+            <a:r>
+              <a:rPr lang="es-ES" sz="19900" b="1" dirty="0">
+                <a:ln w="9525">
+                  <a:solidFill>
+                    <a:schemeClr val="bg1"/>
+                  </a:solidFill>
+                  <a:prstDash val="solid"/>
+                </a:ln>
+                <a:solidFill>
+                  <a:schemeClr val="accent5"/>
+                </a:solidFill>
+                <a:effectLst>
+                  <a:outerShdw blurRad="12700" dist="38100" dir="2700000" algn="tl" rotWithShape="0">
+                    <a:schemeClr val="accent5">
+                      <a:lumMod val="60000"/>
+                      <a:lumOff val="40000"/>
+                    </a:schemeClr>
+                  </a:outerShdw>
+                </a:effectLst>
+              </a:rPr>
+              <a:t>&lt; 3€</a:t>
+            </a:r>
+            <a:endParaRPr lang="en-GB" sz="19900" dirty="0"/>
+          </a:p>
+        </p:txBody>
+      </p:sp>
+    </p:spTree>
+    <p:extLst>
+      <p:ext uri="{BB962C8B-B14F-4D97-AF65-F5344CB8AC3E}">
+        <p14:creationId xmlns:p14="http://schemas.microsoft.com/office/powerpoint/2010/main" val="1338636660"/>
+      </p:ext>
+    </p:extLst>
+  </p:cSld>
+  <p:clrMapOvr>
+    <a:masterClrMapping/>
+  </p:clrMapOvr>
+  <p:timing>
+    <p:tnLst>
+      <p:par>
+        <p:cTn id="1" dur="indefinite" restart="never" nodeType="tmRoot">
+          <p:childTnLst>
+            <p:seq concurrent="1" nextAc="seek">
+              <p:cTn id="2" dur="indefinite" nodeType="mainSeq">
+                <p:childTnLst>
+                  <p:par>
+                    <p:cTn id="3" fill="hold">
+                      <p:stCondLst>
+                        <p:cond delay="indefinite"/>
+                      </p:stCondLst>
+                      <p:childTnLst>
+                        <p:par>
+                          <p:cTn id="4" fill="hold">
+                            <p:stCondLst>
+                              <p:cond delay="0"/>
+                            </p:stCondLst>
+                            <p:childTnLst>
+                              <p:par>
+                                <p:cTn id="5" presetID="1" presetClass="entr" presetSubtype="0" fill="hold" grpId="0" nodeType="clickEffect">
+                                  <p:stCondLst>
+                                    <p:cond delay="0"/>
+                                  </p:stCondLst>
+                                  <p:childTnLst>
+                                    <p:set>
+                                      <p:cBhvr>
+                                        <p:cTn id="6" dur="1" fill="hold">
+                                          <p:stCondLst>
+                                            <p:cond delay="0"/>
+                                          </p:stCondLst>
+                                        </p:cTn>
+                                        <p:tgtEl>
+                                          <p:spTgt spid="6"/>
+                                        </p:tgtEl>
+                                        <p:attrNameLst>
+                                          <p:attrName>style.visibility</p:attrName>
+                                        </p:attrNameLst>
+                                      </p:cBhvr>
+                                      <p:to>
+                                        <p:strVal val="visible"/>
+                                      </p:to>
+                                    </p:set>
+                                  </p:childTnLst>
+                                </p:cTn>
+                              </p:par>
+                            </p:childTnLst>
+                          </p:cTn>
+                        </p:par>
+                      </p:childTnLst>
+                    </p:cTn>
+                  </p:par>
+                  <p:par>
+                    <p:cTn id="7" fill="hold">
+                      <p:stCondLst>
+                        <p:cond delay="indefinite"/>
+                      </p:stCondLst>
+                      <p:childTnLst>
+                        <p:par>
+                          <p:cTn id="8" fill="hold">
+                            <p:stCondLst>
+                              <p:cond delay="0"/>
+                            </p:stCondLst>
+                            <p:childTnLst>
+                              <p:par>
+                                <p:cTn id="9" presetID="1" presetClass="entr" presetSubtype="0" fill="hold" grpId="0" nodeType="clickEffect">
+                                  <p:stCondLst>
+                                    <p:cond delay="0"/>
+                                  </p:stCondLst>
+                                  <p:childTnLst>
+                                    <p:set>
+                                      <p:cBhvr>
+                                        <p:cTn id="10" dur="1" fill="hold">
+                                          <p:stCondLst>
+                                            <p:cond delay="0"/>
+                                          </p:stCondLst>
+                                        </p:cTn>
+                                        <p:tgtEl>
+                                          <p:spTgt spid="8"/>
+                                        </p:tgtEl>
+                                        <p:attrNameLst>
+                                          <p:attrName>style.visibility</p:attrName>
+                                        </p:attrNameLst>
+                                      </p:cBhvr>
+                                      <p:to>
+                                        <p:strVal val="visible"/>
+                                      </p:to>
+                                    </p:set>
+                                  </p:childTnLst>
+                                </p:cTn>
+                              </p:par>
+                            </p:childTnLst>
+                          </p:cTn>
+                        </p:par>
+                      </p:childTnLst>
+                    </p:cTn>
+                  </p:par>
+                  <p:par>
+                    <p:cTn id="11" fill="hold">
+                      <p:stCondLst>
+                        <p:cond delay="indefinite"/>
+                      </p:stCondLst>
+                      <p:childTnLst>
+                        <p:par>
+                          <p:cTn id="12" fill="hold">
+                            <p:stCondLst>
+                              <p:cond delay="0"/>
+                            </p:stCondLst>
+                            <p:childTnLst>
+                              <p:par>
+                                <p:cTn id="13" presetID="53" presetClass="entr" presetSubtype="16" fill="hold" grpId="0" nodeType="clickEffect">
+                                  <p:stCondLst>
+                                    <p:cond delay="0"/>
+                                  </p:stCondLst>
+                                  <p:childTnLst>
+                                    <p:set>
+                                      <p:cBhvr>
+                                        <p:cTn id="14" dur="1" fill="hold">
+                                          <p:stCondLst>
+                                            <p:cond delay="0"/>
+                                          </p:stCondLst>
+                                        </p:cTn>
+                                        <p:tgtEl>
+                                          <p:spTgt spid="7"/>
+                                        </p:tgtEl>
+                                        <p:attrNameLst>
+                                          <p:attrName>style.visibility</p:attrName>
+                                        </p:attrNameLst>
+                                      </p:cBhvr>
+                                      <p:to>
+                                        <p:strVal val="visible"/>
+                                      </p:to>
+                                    </p:set>
+                                    <p:anim calcmode="lin" valueType="num">
+                                      <p:cBhvr>
+                                        <p:cTn id="15" dur="500" fill="hold"/>
+                                        <p:tgtEl>
+                                          <p:spTgt spid="7"/>
+                                        </p:tgtEl>
+                                        <p:attrNameLst>
+                                          <p:attrName>ppt_w</p:attrName>
+                                        </p:attrNameLst>
+                                      </p:cBhvr>
+                                      <p:tavLst>
+                                        <p:tav tm="0">
+                                          <p:val>
+                                            <p:fltVal val="0"/>
+                                          </p:val>
+                                        </p:tav>
+                                        <p:tav tm="100000">
+                                          <p:val>
+                                            <p:strVal val="#ppt_w"/>
+                                          </p:val>
+                                        </p:tav>
+                                      </p:tavLst>
+                                    </p:anim>
+                                    <p:anim calcmode="lin" valueType="num">
+                                      <p:cBhvr>
+                                        <p:cTn id="16" dur="500" fill="hold"/>
+                                        <p:tgtEl>
+                                          <p:spTgt spid="7"/>
+                                        </p:tgtEl>
+                                        <p:attrNameLst>
+                                          <p:attrName>ppt_h</p:attrName>
+                                        </p:attrNameLst>
+                                      </p:cBhvr>
+                                      <p:tavLst>
+                                        <p:tav tm="0">
+                                          <p:val>
+                                            <p:fltVal val="0"/>
+                                          </p:val>
+                                        </p:tav>
+                                        <p:tav tm="100000">
+                                          <p:val>
+                                            <p:strVal val="#ppt_h"/>
+                                          </p:val>
+                                        </p:tav>
+                                      </p:tavLst>
+                                    </p:anim>
+                                    <p:animEffect transition="in" filter="fade">
+                                      <p:cBhvr>
+                                        <p:cTn id="17" dur="500"/>
+                                        <p:tgtEl>
+                                          <p:spTgt spid="7"/>
+                                        </p:tgtEl>
+                                      </p:cBhvr>
+                                    </p:animEffect>
+                                  </p:childTnLst>
+                                </p:cTn>
+                              </p:par>
+                            </p:childTnLst>
+                          </p:cTn>
+                        </p:par>
+                      </p:childTnLst>
+                    </p:cTn>
+                  </p:par>
+                </p:childTnLst>
+              </p:cTn>
+              <p:prevCondLst>
+                <p:cond evt="onPrev" delay="0">
+                  <p:tgtEl>
+                    <p:sldTgt/>
+                  </p:tgtEl>
+                </p:cond>
+              </p:prevCondLst>
+              <p:nextCondLst>
+                <p:cond evt="onNext" delay="0">
+                  <p:tgtEl>
+                    <p:sldTgt/>
+                  </p:tgtEl>
+                </p:cond>
+              </p:nextCondLst>
+            </p:seq>
+          </p:childTnLst>
+        </p:cTn>
+      </p:par>
+    </p:tnLst>
+    <p:bldLst>
+      <p:bldP spid="8" grpId="0" animBg="1"/>
+      <p:bldP spid="6" grpId="0" animBg="1"/>
+      <p:bldP spid="7" grpId="0"/>
+    </p:bldLst>
+  </p:timing>
+</p:sld>
+</file>
+
+<file path=ppt/slides/slide6.xml><?xml version="1.0" encoding="utf-8"?>
+<p:sld xmlns:a="http://schemas.openxmlformats.org/drawingml/2006/main" xmlns:r="http://schemas.openxmlformats.org/officeDocument/2006/relationships" xmlns:p="http://schemas.openxmlformats.org/presentationml/2006/main">
+  <p:cSld>
+    <p:spTree>
+      <p:nvGrpSpPr>
+        <p:cNvPr id="1" name=""/>
+        <p:cNvGrpSpPr/>
+        <p:nvPr/>
+      </p:nvGrpSpPr>
+      <p:grpSpPr>
+        <a:xfrm>
+          <a:off x="0" y="0"/>
+          <a:ext cx="0" cy="0"/>
+          <a:chOff x="0" y="0"/>
+          <a:chExt cx="0" cy="0"/>
+        </a:xfrm>
+      </p:grpSpPr>
+      <p:sp>
+        <p:nvSpPr>
+          <p:cNvPr id="2" name="Título 1"/>
+          <p:cNvSpPr>
+            <a:spLocks noGrp="1"/>
+          </p:cNvSpPr>
+          <p:nvPr>
+            <p:ph type="title"/>
+          </p:nvPr>
+        </p:nvSpPr>
+        <p:spPr/>
+        <p:txBody>
+          <a:bodyPr/>
+          <a:lstStyle/>
+          <a:p>
+            <a:r>
+              <a:rPr lang="es-ES" dirty="0"/>
+              <a:t>Conociendo al </a:t>
+            </a:r>
+            <a:r>
+              <a:rPr lang="es-ES" dirty="0" err="1"/>
+              <a:t>NodeMCU</a:t>
+            </a:r>
+            <a:r>
+              <a:rPr lang="es-ES" dirty="0"/>
+              <a:t> </a:t>
+            </a:r>
+            <a:r>
+              <a:rPr lang="es-ES" dirty="0" err="1"/>
+              <a:t>Development</a:t>
+            </a:r>
+            <a:r>
+              <a:rPr lang="es-ES" dirty="0"/>
+              <a:t> Kit</a:t>
+            </a:r>
+            <a:endParaRPr lang="en-GB" dirty="0"/>
+          </a:p>
+        </p:txBody>
+      </p:sp>
+      <p:sp>
+        <p:nvSpPr>
+          <p:cNvPr id="3" name="Marcador de contenido 2"/>
+          <p:cNvSpPr>
+            <a:spLocks noGrp="1"/>
+          </p:cNvSpPr>
+          <p:nvPr>
+            <p:ph idx="1"/>
+          </p:nvPr>
+        </p:nvSpPr>
+        <p:spPr/>
+        <p:txBody>
+          <a:bodyPr/>
+          <a:lstStyle/>
+          <a:p>
+            <a:endParaRPr lang="en-GB"/>
+          </a:p>
+        </p:txBody>
+      </p:sp>
+      <p:pic>
+        <p:nvPicPr>
+          <p:cNvPr id="4098" name="Picture 2" descr="https://github.com/jaimelaborda/Planta-Twittera/raw/master/doc/NodeMCU_DEVKIT_1.0.jpg?raw=true"/>
+          <p:cNvPicPr>
+            <a:picLocks noChangeAspect="1" noChangeArrowheads="1"/>
+          </p:cNvPicPr>
+          <p:nvPr/>
+        </p:nvPicPr>
+        <p:blipFill>
+          <a:blip r:embed="rId2">
+            <a:extLst>
+              <a:ext uri="{28A0092B-C50C-407E-A947-70E740481C1C}">
+                <a14:useLocalDpi xmlns:a14="http://schemas.microsoft.com/office/drawing/2010/main" val="0"/>
+              </a:ext>
+            </a:extLst>
+          </a:blip>
+          <a:srcRect/>
+          <a:stretch>
+            <a:fillRect/>
+          </a:stretch>
+        </p:blipFill>
+        <p:spPr bwMode="auto">
+          <a:xfrm>
+            <a:off x="633956" y="2002559"/>
+            <a:ext cx="5074865" cy="3384895"/>
+          </a:xfrm>
+          <a:prstGeom prst="rect">
+            <a:avLst/>
+          </a:prstGeom>
+          <a:noFill/>
+          <a:extLst>
+            <a:ext uri="{909E8E84-426E-40DD-AFC4-6F175D3DCCD1}">
+              <a14:hiddenFill xmlns:a14="http://schemas.microsoft.com/office/drawing/2010/main">
+                <a:solidFill>
+                  <a:srgbClr val="FFFFFF"/>
+                </a:solidFill>
+              </a14:hiddenFill>
+            </a:ext>
+          </a:extLst>
+        </p:spPr>
+      </p:pic>
+      <p:sp>
+        <p:nvSpPr>
+          <p:cNvPr id="4" name="CuadroTexto 3"/>
+          <p:cNvSpPr txBox="1"/>
+          <p:nvPr/>
+        </p:nvSpPr>
+        <p:spPr>
+          <a:xfrm>
+            <a:off x="6043117" y="2540844"/>
+            <a:ext cx="4843849" cy="2308324"/>
+          </a:xfrm>
+          <a:prstGeom prst="rect">
+            <a:avLst/>
+          </a:prstGeom>
+          <a:noFill/>
+        </p:spPr>
+        <p:txBody>
+          <a:bodyPr wrap="square" rtlCol="0">
+            <a:spAutoFit/>
+          </a:bodyPr>
+          <a:lstStyle/>
+          <a:p>
+            <a:pPr marL="285750" indent="-285750">
+              <a:buFont typeface="Arial" panose="020B0604020202020204" pitchFamily="34" charset="0"/>
+              <a:buChar char="•"/>
+            </a:pPr>
+            <a:r>
+              <a:rPr lang="es-ES" dirty="0"/>
+              <a:t>Proyecto Open-</a:t>
+            </a:r>
+            <a:r>
+              <a:rPr lang="es-ES" dirty="0" err="1"/>
+              <a:t>Source</a:t>
+            </a:r>
+            <a:r>
+              <a:rPr lang="es-ES" dirty="0"/>
+              <a:t> para el desarrollo de un modelo sencillo de integrar la </a:t>
+            </a:r>
+            <a:r>
+              <a:rPr lang="es-ES" dirty="0" err="1"/>
+              <a:t>IoT</a:t>
+            </a:r>
+            <a:r>
+              <a:rPr lang="es-ES" dirty="0"/>
+              <a:t> (Internet of </a:t>
+            </a:r>
+            <a:r>
+              <a:rPr lang="es-ES" dirty="0" err="1"/>
+              <a:t>Things</a:t>
+            </a:r>
+            <a:r>
+              <a:rPr lang="es-ES" dirty="0"/>
+              <a:t>)</a:t>
+            </a:r>
+          </a:p>
+          <a:p>
+            <a:pPr marL="285750" indent="-285750">
+              <a:buFont typeface="Arial" panose="020B0604020202020204" pitchFamily="34" charset="0"/>
+              <a:buChar char="•"/>
+            </a:pPr>
+            <a:r>
+              <a:rPr lang="es-ES" dirty="0"/>
+              <a:t>Conexión directa a USB</a:t>
+            </a:r>
+          </a:p>
+          <a:p>
+            <a:pPr marL="285750" indent="-285750">
+              <a:buFont typeface="Arial" panose="020B0604020202020204" pitchFamily="34" charset="0"/>
+              <a:buChar char="•"/>
+            </a:pPr>
+            <a:r>
+              <a:rPr lang="es-ES" dirty="0"/>
+              <a:t>Regulador alimentación 3.3V</a:t>
+            </a:r>
+          </a:p>
+          <a:p>
+            <a:pPr marL="285750" indent="-285750">
+              <a:buFont typeface="Arial" panose="020B0604020202020204" pitchFamily="34" charset="0"/>
+              <a:buChar char="•"/>
+            </a:pPr>
+            <a:r>
+              <a:rPr lang="es-ES" dirty="0"/>
+              <a:t>Gran comunidad</a:t>
+            </a:r>
+          </a:p>
+          <a:p>
+            <a:pPr marL="285750" indent="-285750">
+              <a:buFont typeface="Arial" panose="020B0604020202020204" pitchFamily="34" charset="0"/>
+              <a:buChar char="•"/>
+            </a:pPr>
+            <a:r>
+              <a:rPr lang="es-ES" dirty="0"/>
+              <a:t>Programación con Arduino</a:t>
+            </a:r>
+          </a:p>
+          <a:p>
+            <a:pPr marL="285750" indent="-285750">
+              <a:buFont typeface="Arial" panose="020B0604020202020204" pitchFamily="34" charset="0"/>
+              <a:buChar char="•"/>
+            </a:pPr>
+            <a:endParaRPr lang="en-GB" dirty="0"/>
+          </a:p>
+        </p:txBody>
+      </p:sp>
+    </p:spTree>
+    <p:extLst>
+      <p:ext uri="{BB962C8B-B14F-4D97-AF65-F5344CB8AC3E}">
+        <p14:creationId xmlns:p14="http://schemas.microsoft.com/office/powerpoint/2010/main" val="3673223133"/>
+      </p:ext>
+    </p:extLst>
+  </p:cSld>
+  <p:clrMapOvr>
+    <a:masterClrMapping/>
+  </p:clrMapOvr>
+</p:sld>
+</file>
+
+<file path=ppt/slides/slide7.xml><?xml version="1.0" encoding="utf-8"?>
+<p:sld xmlns:a="http://schemas.openxmlformats.org/drawingml/2006/main" xmlns:r="http://schemas.openxmlformats.org/officeDocument/2006/relationships" xmlns:p="http://schemas.openxmlformats.org/presentationml/2006/main">
+  <p:cSld>
+    <p:spTree>
+      <p:nvGrpSpPr>
+        <p:cNvPr id="1" name=""/>
+        <p:cNvGrpSpPr/>
+        <p:nvPr/>
+      </p:nvGrpSpPr>
+      <p:grpSpPr>
+        <a:xfrm>
+          <a:off x="0" y="0"/>
+          <a:ext cx="0" cy="0"/>
+          <a:chOff x="0" y="0"/>
+          <a:chExt cx="0" cy="0"/>
+        </a:xfrm>
+      </p:grpSpPr>
+      <p:sp>
+        <p:nvSpPr>
+          <p:cNvPr id="2" name="Título 1"/>
+          <p:cNvSpPr>
+            <a:spLocks noGrp="1"/>
+          </p:cNvSpPr>
+          <p:nvPr>
+            <p:ph type="title"/>
+          </p:nvPr>
+        </p:nvSpPr>
+        <p:spPr/>
+        <p:txBody>
+          <a:bodyPr/>
+          <a:lstStyle/>
+          <a:p>
+            <a:endParaRPr lang="en-GB"/>
+          </a:p>
+        </p:txBody>
+      </p:sp>
+      <p:sp>
+        <p:nvSpPr>
+          <p:cNvPr id="3" name="Marcador de contenido 2"/>
+          <p:cNvSpPr>
+            <a:spLocks noGrp="1"/>
+          </p:cNvSpPr>
+          <p:nvPr>
+            <p:ph idx="1"/>
+          </p:nvPr>
+        </p:nvSpPr>
+        <p:spPr/>
+        <p:txBody>
+          <a:bodyPr/>
+          <a:lstStyle/>
+          <a:p>
+            <a:endParaRPr lang="en-GB"/>
+          </a:p>
+        </p:txBody>
+      </p:sp>
+      <p:pic>
+        <p:nvPicPr>
+          <p:cNvPr id="5122" name="Picture 2" descr="https://github.com/jaimelaborda/Planta-Twittera/raw/master/doc/NodeMCU%20v.1.0%20pinout.jpg"/>
+          <p:cNvPicPr>
+            <a:picLocks noChangeAspect="1" noChangeArrowheads="1"/>
+          </p:cNvPicPr>
+          <p:nvPr/>
+        </p:nvPicPr>
+        <p:blipFill>
+          <a:blip r:embed="rId2">
+            <a:extLst>
+              <a:ext uri="{28A0092B-C50C-407E-A947-70E740481C1C}">
+                <a14:useLocalDpi xmlns:a14="http://schemas.microsoft.com/office/drawing/2010/main" val="0"/>
+              </a:ext>
+            </a:extLst>
+          </a:blip>
+          <a:srcRect/>
+          <a:stretch>
+            <a:fillRect/>
+          </a:stretch>
+        </p:blipFill>
+        <p:spPr bwMode="auto">
+          <a:xfrm>
+            <a:off x="1979613" y="0"/>
+            <a:ext cx="8231187" cy="6858000"/>
+          </a:xfrm>
+          <a:prstGeom prst="rect">
+            <a:avLst/>
+          </a:prstGeom>
+          <a:noFill/>
+          <a:extLst>
+            <a:ext uri="{909E8E84-426E-40DD-AFC4-6F175D3DCCD1}">
+              <a14:hiddenFill xmlns:a14="http://schemas.microsoft.com/office/drawing/2010/main">
+                <a:solidFill>
+                  <a:srgbClr val="FFFFFF"/>
+                </a:solidFill>
+              </a14:hiddenFill>
+            </a:ext>
+          </a:extLst>
+        </p:spPr>
+      </p:pic>
+    </p:spTree>
+    <p:extLst>
+      <p:ext uri="{BB962C8B-B14F-4D97-AF65-F5344CB8AC3E}">
+        <p14:creationId xmlns:p14="http://schemas.microsoft.com/office/powerpoint/2010/main" val="2181917488"/>
+      </p:ext>
+    </p:extLst>
+  </p:cSld>
+  <p:clrMapOvr>
+    <a:masterClrMapping/>
+  </p:clrMapOvr>
+</p:sld>
+</file>
+
+<file path=ppt/slides/slide8.xml><?xml version="1.0" encoding="utf-8"?>
+<p:sld xmlns:a="http://schemas.openxmlformats.org/drawingml/2006/main" xmlns:r="http://schemas.openxmlformats.org/officeDocument/2006/relationships" xmlns:p="http://schemas.openxmlformats.org/presentationml/2006/main">
+  <p:cSld>
+    <p:spTree>
+      <p:nvGrpSpPr>
+        <p:cNvPr id="1" name=""/>
+        <p:cNvGrpSpPr/>
+        <p:nvPr/>
+      </p:nvGrpSpPr>
+      <p:grpSpPr>
+        <a:xfrm>
+          <a:off x="0" y="0"/>
+          <a:ext cx="0" cy="0"/>
+          <a:chOff x="0" y="0"/>
+          <a:chExt cx="0" cy="0"/>
+        </a:xfrm>
+      </p:grpSpPr>
+      <p:sp>
+        <p:nvSpPr>
+          <p:cNvPr id="4" name="CuadroTexto 3"/>
+          <p:cNvSpPr txBox="1"/>
+          <p:nvPr/>
+        </p:nvSpPr>
+        <p:spPr>
+          <a:xfrm>
+            <a:off x="-383967" y="1116400"/>
+            <a:ext cx="8859131" cy="2554545"/>
+          </a:xfrm>
+          <a:prstGeom prst="rect">
+            <a:avLst/>
+          </a:prstGeom>
+          <a:noFill/>
+        </p:spPr>
+        <p:txBody>
+          <a:bodyPr wrap="square" rtlCol="0">
+            <a:spAutoFit/>
+          </a:bodyPr>
+          <a:lstStyle/>
+          <a:p>
+            <a:pPr algn="ctr"/>
+            <a:r>
+              <a:rPr lang="es-ES" sz="8000" dirty="0"/>
+              <a:t>¡Manos a la obra!</a:t>
+            </a:r>
+            <a:endParaRPr lang="en-GB" sz="8000" dirty="0"/>
+          </a:p>
+        </p:txBody>
+      </p:sp>
+      <p:pic>
+        <p:nvPicPr>
+          <p:cNvPr id="2050" name="Picture 2" descr="Resultado de imagen de manos a la obra"/>
+          <p:cNvPicPr>
+            <a:picLocks noChangeAspect="1" noChangeArrowheads="1"/>
+          </p:cNvPicPr>
+          <p:nvPr/>
+        </p:nvPicPr>
+        <p:blipFill>
+          <a:blip r:embed="rId2">
+            <a:clrChange>
+              <a:clrFrom>
+                <a:srgbClr val="FFFFFF"/>
+              </a:clrFrom>
+              <a:clrTo>
+                <a:srgbClr val="FFFFFF">
+                  <a:alpha val="0"/>
+                </a:srgbClr>
+              </a:clrTo>
+            </a:clrChange>
+            <a:extLst>
+              <a:ext uri="{28A0092B-C50C-407E-A947-70E740481C1C}">
+                <a14:useLocalDpi xmlns:a14="http://schemas.microsoft.com/office/drawing/2010/main" val="0"/>
+              </a:ext>
+            </a:extLst>
+          </a:blip>
+          <a:srcRect/>
+          <a:stretch>
+            <a:fillRect/>
+          </a:stretch>
+        </p:blipFill>
+        <p:spPr bwMode="auto">
+          <a:xfrm>
+            <a:off x="6749143" y="1757420"/>
+            <a:ext cx="3827050" cy="3827050"/>
+          </a:xfrm>
+          <a:prstGeom prst="rect">
+            <a:avLst/>
+          </a:prstGeom>
+          <a:noFill/>
+          <a:extLst>
+            <a:ext uri="{909E8E84-426E-40DD-AFC4-6F175D3DCCD1}">
+              <a14:hiddenFill xmlns:a14="http://schemas.microsoft.com/office/drawing/2010/main">
+                <a:solidFill>
+                  <a:srgbClr val="FFFFFF"/>
+                </a:solidFill>
+              </a14:hiddenFill>
+            </a:ext>
+          </a:extLst>
+        </p:spPr>
+      </p:pic>
+    </p:spTree>
+    <p:extLst>
+      <p:ext uri="{BB962C8B-B14F-4D97-AF65-F5344CB8AC3E}">
+        <p14:creationId xmlns:p14="http://schemas.microsoft.com/office/powerpoint/2010/main" val="2306701113"/>
+      </p:ext>
+    </p:extLst>
+  </p:cSld>
+  <p:clrMapOvr>
+    <a:masterClrMapping/>
+  </p:clrMapOvr>
+</p:sld>
+</file>
+
+<file path=ppt/slides/slide9.xml><?xml version="1.0" encoding="utf-8"?>
+<p:sld xmlns:a="http://schemas.openxmlformats.org/drawingml/2006/main" xmlns:r="http://schemas.openxmlformats.org/officeDocument/2006/relationships" xmlns:p="http://schemas.openxmlformats.org/presentationml/2006/main">
+  <p:cSld>
+    <p:spTree>
+      <p:nvGrpSpPr>
+        <p:cNvPr id="1" name=""/>
+        <p:cNvGrpSpPr/>
+        <p:nvPr/>
+      </p:nvGrpSpPr>
+      <p:grpSpPr>
+        <a:xfrm>
+          <a:off x="0" y="0"/>
+          <a:ext cx="0" cy="0"/>
+          <a:chOff x="0" y="0"/>
+          <a:chExt cx="0" cy="0"/>
+        </a:xfrm>
+      </p:grpSpPr>
+      <p:sp>
+        <p:nvSpPr>
+          <p:cNvPr id="2" name="Título 1"/>
+          <p:cNvSpPr>
+            <a:spLocks noGrp="1"/>
+          </p:cNvSpPr>
+          <p:nvPr>
+            <p:ph type="title"/>
+          </p:nvPr>
+        </p:nvSpPr>
+        <p:spPr/>
+        <p:txBody>
+          <a:bodyPr/>
+          <a:lstStyle/>
+          <a:p>
+            <a:r>
+              <a:rPr lang="es-ES" dirty="0"/>
+              <a:t>2. Programación en Arduino</a:t>
+            </a:r>
+            <a:endParaRPr lang="en-GB" dirty="0"/>
+          </a:p>
+        </p:txBody>
+      </p:sp>
+      <p:pic>
+        <p:nvPicPr>
+          <p:cNvPr id="1026" name="Picture 2" descr="Resultado de imagen de arduino logo"/>
+          <p:cNvPicPr>
+            <a:picLocks noGrp="1" noChangeAspect="1" noChangeArrowheads="1"/>
+          </p:cNvPicPr>
+          <p:nvPr>
+            <p:ph idx="1"/>
+          </p:nvPr>
+        </p:nvPicPr>
+        <p:blipFill>
+          <a:blip r:embed="rId2">
+            <a:clrChange>
+              <a:clrFrom>
+                <a:srgbClr val="FFFFFF"/>
+              </a:clrFrom>
+              <a:clrTo>
+                <a:srgbClr val="FFFFFF">
+                  <a:alpha val="0"/>
+                </a:srgbClr>
+              </a:clrTo>
+            </a:clrChange>
+            <a:extLst>
+              <a:ext uri="{28A0092B-C50C-407E-A947-70E740481C1C}">
+                <a14:useLocalDpi xmlns:a14="http://schemas.microsoft.com/office/drawing/2010/main" val="0"/>
+              </a:ext>
+            </a:extLst>
+          </a:blip>
+          <a:srcRect/>
+          <a:stretch>
+            <a:fillRect/>
+          </a:stretch>
+        </p:blipFill>
+        <p:spPr bwMode="auto">
+          <a:xfrm>
+            <a:off x="5326425" y="2002559"/>
+            <a:ext cx="6593703" cy="2792627"/>
+          </a:xfrm>
+          <a:prstGeom prst="rect">
+            <a:avLst/>
+          </a:prstGeom>
+          <a:noFill/>
+          <a:extLst>
+            <a:ext uri="{909E8E84-426E-40DD-AFC4-6F175D3DCCD1}">
+              <a14:hiddenFill xmlns:a14="http://schemas.microsoft.com/office/drawing/2010/main">
+                <a:solidFill>
+                  <a:srgbClr val="FFFFFF"/>
+                </a:solidFill>
+              </a14:hiddenFill>
+            </a:ext>
+          </a:extLst>
+        </p:spPr>
+      </p:pic>
+      <p:sp>
+        <p:nvSpPr>
+          <p:cNvPr id="4" name="CuadroTexto 3"/>
+          <p:cNvSpPr txBox="1"/>
+          <p:nvPr/>
+        </p:nvSpPr>
+        <p:spPr>
+          <a:xfrm>
+            <a:off x="852616" y="1865870"/>
+            <a:ext cx="4473809" cy="2585323"/>
+          </a:xfrm>
+          <a:prstGeom prst="rect">
+            <a:avLst/>
+          </a:prstGeom>
+          <a:noFill/>
+        </p:spPr>
+        <p:txBody>
+          <a:bodyPr wrap="square" rtlCol="0">
+            <a:spAutoFit/>
+          </a:bodyPr>
+          <a:lstStyle/>
+          <a:p>
+            <a:pPr marL="285750" indent="-285750">
+              <a:buFont typeface="Arial" panose="020B0604020202020204" pitchFamily="34" charset="0"/>
+              <a:buChar char="•"/>
+            </a:pPr>
+            <a:r>
+              <a:rPr lang="es-ES" dirty="0"/>
+              <a:t>Diversas formas de programarlo</a:t>
+            </a:r>
+          </a:p>
+          <a:p>
+            <a:pPr marL="742950" lvl="1" indent="-285750">
+              <a:buFont typeface="Arial" panose="020B0604020202020204" pitchFamily="34" charset="0"/>
+              <a:buChar char="•"/>
+            </a:pPr>
+            <a:r>
+              <a:rPr lang="es-ES" dirty="0"/>
+              <a:t>Sin firmware: Comandos AT</a:t>
+            </a:r>
+          </a:p>
+          <a:p>
+            <a:pPr marL="742950" lvl="1" indent="-285750">
+              <a:buFont typeface="Arial" panose="020B0604020202020204" pitchFamily="34" charset="0"/>
+              <a:buChar char="•"/>
+            </a:pPr>
+            <a:r>
+              <a:rPr lang="es-ES" dirty="0" err="1"/>
+              <a:t>Lua</a:t>
+            </a:r>
+            <a:endParaRPr lang="es-ES" dirty="0"/>
+          </a:p>
+          <a:p>
+            <a:pPr marL="742950" lvl="1" indent="-285750">
+              <a:buFont typeface="Arial" panose="020B0604020202020204" pitchFamily="34" charset="0"/>
+              <a:buChar char="•"/>
+            </a:pPr>
+            <a:r>
+              <a:rPr lang="es-ES" dirty="0"/>
+              <a:t>Micro-Python</a:t>
+            </a:r>
+          </a:p>
+          <a:p>
+            <a:pPr marL="742950" lvl="1" indent="-285750">
+              <a:buFont typeface="Arial" panose="020B0604020202020204" pitchFamily="34" charset="0"/>
+              <a:buChar char="•"/>
+            </a:pPr>
+            <a:r>
+              <a:rPr lang="es-ES" dirty="0"/>
+              <a:t>Arduino</a:t>
+            </a:r>
+          </a:p>
+          <a:p>
+            <a:pPr marL="285750" indent="-285750">
+              <a:buFont typeface="Arial" panose="020B0604020202020204" pitchFamily="34" charset="0"/>
+              <a:buChar char="•"/>
+            </a:pPr>
+            <a:endParaRPr lang="es-ES" dirty="0"/>
+          </a:p>
+          <a:p>
+            <a:pPr marL="285750" indent="-285750">
+              <a:buFont typeface="Arial" panose="020B0604020202020204" pitchFamily="34" charset="0"/>
+              <a:buChar char="•"/>
+            </a:pPr>
+            <a:r>
+              <a:rPr lang="es-ES" dirty="0"/>
+              <a:t>Facilidad: Entorno ya familiar</a:t>
+            </a:r>
+          </a:p>
+          <a:p>
+            <a:pPr marL="285750" indent="-285750">
+              <a:buFont typeface="Arial" panose="020B0604020202020204" pitchFamily="34" charset="0"/>
+              <a:buChar char="•"/>
+            </a:pPr>
+            <a:r>
+              <a:rPr lang="es-ES" dirty="0"/>
+              <a:t>Librería </a:t>
+            </a:r>
+            <a:r>
+              <a:rPr lang="es-ES" dirty="0" err="1"/>
+              <a:t>WiFi</a:t>
+            </a:r>
+            <a:r>
+              <a:rPr lang="es-ES" dirty="0"/>
+              <a:t> compatible</a:t>
+            </a:r>
+          </a:p>
+          <a:p>
+            <a:pPr marL="742950" lvl="1" indent="-285750">
+              <a:buFont typeface="Arial" panose="020B0604020202020204" pitchFamily="34" charset="0"/>
+              <a:buChar char="•"/>
+            </a:pPr>
+            <a:endParaRPr lang="en-GB" dirty="0"/>
+          </a:p>
+        </p:txBody>
+      </p:sp>
+    </p:spTree>
+    <p:extLst>
+      <p:ext uri="{BB962C8B-B14F-4D97-AF65-F5344CB8AC3E}">
+        <p14:creationId xmlns:p14="http://schemas.microsoft.com/office/powerpoint/2010/main" val="4259661518"/>
       </p:ext>
     </p:extLst>
   </p:cSld>

--- a/Taller Introducción a IoT.pptx
+++ b/Taller Introducción a IoT.pptx
@@ -5180,6 +5180,38 @@
           </a:extLst>
         </p:spPr>
       </p:pic>
+      <p:sp>
+        <p:nvSpPr>
+          <p:cNvPr id="4" name="CuadroTexto 3"/>
+          <p:cNvSpPr txBox="1"/>
+          <p:nvPr/>
+        </p:nvSpPr>
+        <p:spPr>
+          <a:xfrm>
+            <a:off x="2038866" y="5602645"/>
+            <a:ext cx="6339016" cy="369332"/>
+          </a:xfrm>
+          <a:prstGeom prst="rect">
+            <a:avLst/>
+          </a:prstGeom>
+          <a:noFill/>
+        </p:spPr>
+        <p:txBody>
+          <a:bodyPr wrap="square" rtlCol="0">
+            <a:spAutoFit/>
+          </a:bodyPr>
+          <a:lstStyle/>
+          <a:p>
+            <a:r>
+              <a:rPr lang="en-GB" dirty="0">
+                <a:hlinkClick r:id="rId3"/>
+              </a:rPr>
+              <a:t>https://github.com/jaimelaborda/Planta-Twittera</a:t>
+            </a:r>
+            <a:endParaRPr lang="en-GB" dirty="0"/>
+          </a:p>
+        </p:txBody>
+      </p:sp>
     </p:spTree>
     <p:extLst>
       <p:ext uri="{BB962C8B-B14F-4D97-AF65-F5344CB8AC3E}">
@@ -5813,10 +5845,9 @@
               <a:t>SSID: </a:t>
             </a:r>
             <a:r>
-              <a:rPr lang="es-ES" sz="3600" dirty="0" err="1"/>
-              <a:t>TechFest</a:t>
-            </a:r>
-            <a:endParaRPr lang="es-ES" sz="3600" dirty="0"/>
+              <a:rPr lang="es-ES" sz="3600" dirty="0"/>
+              <a:t>TechFest2</a:t>
+            </a:r>
           </a:p>
           <a:p>
             <a:r>
@@ -6666,6 +6697,38 @@
               <a:t>Obtenemos la API Key</a:t>
             </a:r>
             <a:endParaRPr lang="en-GB" dirty="0"/>
+          </a:p>
+        </p:txBody>
+      </p:sp>
+      <p:sp>
+        <p:nvSpPr>
+          <p:cNvPr id="4" name="CuadroTexto 3"/>
+          <p:cNvSpPr txBox="1"/>
+          <p:nvPr/>
+        </p:nvSpPr>
+        <p:spPr>
+          <a:xfrm>
+            <a:off x="3356562" y="4399825"/>
+            <a:ext cx="8081319" cy="646331"/>
+          </a:xfrm>
+          <a:prstGeom prst="rect">
+            <a:avLst/>
+          </a:prstGeom>
+          <a:noFill/>
+        </p:spPr>
+        <p:txBody>
+          <a:bodyPr wrap="square" rtlCol="0">
+            <a:spAutoFit/>
+          </a:bodyPr>
+          <a:lstStyle/>
+          <a:p>
+            <a:r>
+              <a:rPr lang="en-GB" sz="3600" dirty="0">
+                <a:hlinkClick r:id="rId2"/>
+              </a:rPr>
+              <a:t>https://thingspeak.com/</a:t>
+            </a:r>
+            <a:endParaRPr lang="en-GB" sz="3600" dirty="0"/>
           </a:p>
         </p:txBody>
       </p:sp>
